--- a/공유문서/수정요청/화면점검(공통,영업,자재,전체)_20161218/화면점검_20161218(영업).pptx
+++ b/공유문서/수정요청/화면점검(공통,영업,자재,전체)_20161218/화면점검_20161218(영업).pptx
@@ -152,7 +152,7 @@
   </p:defaultTextStyle>
   <p:extLst>
     <p:ext uri="{EFAFB233-063F-42B5-8137-9DF3F51BA10A}">
-      <p15:sldGuideLst xmlns:p15="http://schemas.microsoft.com/office/powerpoint/2012/main" xmlns="">
+      <p15:sldGuideLst xmlns="" xmlns:p15="http://schemas.microsoft.com/office/powerpoint/2012/main">
         <p15:guide id="1" orient="horz" pos="2160">
           <p15:clr>
             <a:srgbClr val="A4A3A4"/>
@@ -219,14 +219,14 @@
           <a:effectLst/>
           <a:extLst>
             <a:ext uri="{909E8E84-426E-40DD-AFC4-6F175D3DCCD1}">
-              <a14:hiddenFill xmlns:a14="http://schemas.microsoft.com/office/drawing/2010/main">
+              <a14:hiddenFill xmlns:a14="http://schemas.microsoft.com/office/drawing/2010/main" xmlns="">
                 <a:solidFill>
                   <a:schemeClr val="accent1"/>
                 </a:solidFill>
               </a14:hiddenFill>
             </a:ext>
             <a:ext uri="{91240B29-F687-4F45-9708-019B960494DF}">
-              <a14:hiddenLine xmlns:a14="http://schemas.microsoft.com/office/drawing/2010/main" w="9525">
+              <a14:hiddenLine xmlns:a14="http://schemas.microsoft.com/office/drawing/2010/main" xmlns="" w="9525">
                 <a:solidFill>
                   <a:schemeClr val="tx1"/>
                 </a:solidFill>
@@ -236,7 +236,7 @@
               </a14:hiddenLine>
             </a:ext>
             <a:ext uri="{AF507438-7753-43E0-B8FC-AC1667EBCBE1}">
-              <a14:hiddenEffects xmlns:a14="http://schemas.microsoft.com/office/drawing/2010/main">
+              <a14:hiddenEffects xmlns:a14="http://schemas.microsoft.com/office/drawing/2010/main" xmlns="">
                 <a:effectLst>
                   <a:outerShdw dist="35921" dir="2700000" algn="ctr" rotWithShape="0">
                     <a:schemeClr val="bg2"/>
@@ -290,14 +290,14 @@
           <a:effectLst/>
           <a:extLst>
             <a:ext uri="{909E8E84-426E-40DD-AFC4-6F175D3DCCD1}">
-              <a14:hiddenFill xmlns:a14="http://schemas.microsoft.com/office/drawing/2010/main">
+              <a14:hiddenFill xmlns:a14="http://schemas.microsoft.com/office/drawing/2010/main" xmlns="">
                 <a:solidFill>
                   <a:schemeClr val="accent1"/>
                 </a:solidFill>
               </a14:hiddenFill>
             </a:ext>
             <a:ext uri="{91240B29-F687-4F45-9708-019B960494DF}">
-              <a14:hiddenLine xmlns:a14="http://schemas.microsoft.com/office/drawing/2010/main" w="9525">
+              <a14:hiddenLine xmlns:a14="http://schemas.microsoft.com/office/drawing/2010/main" xmlns="" w="9525">
                 <a:solidFill>
                   <a:schemeClr val="tx1"/>
                 </a:solidFill>
@@ -307,7 +307,7 @@
               </a14:hiddenLine>
             </a:ext>
             <a:ext uri="{AF507438-7753-43E0-B8FC-AC1667EBCBE1}">
-              <a14:hiddenEffects xmlns:a14="http://schemas.microsoft.com/office/drawing/2010/main">
+              <a14:hiddenEffects xmlns:a14="http://schemas.microsoft.com/office/drawing/2010/main" xmlns="">
                 <a:effectLst>
                   <a:outerShdw dist="35921" dir="2700000" algn="ctr" rotWithShape="0">
                     <a:schemeClr val="bg2"/>
@@ -361,14 +361,14 @@
           <a:effectLst/>
           <a:extLst>
             <a:ext uri="{909E8E84-426E-40DD-AFC4-6F175D3DCCD1}">
-              <a14:hiddenFill xmlns:a14="http://schemas.microsoft.com/office/drawing/2010/main">
+              <a14:hiddenFill xmlns:a14="http://schemas.microsoft.com/office/drawing/2010/main" xmlns="">
                 <a:solidFill>
                   <a:schemeClr val="accent1"/>
                 </a:solidFill>
               </a14:hiddenFill>
             </a:ext>
             <a:ext uri="{91240B29-F687-4F45-9708-019B960494DF}">
-              <a14:hiddenLine xmlns:a14="http://schemas.microsoft.com/office/drawing/2010/main" w="9525">
+              <a14:hiddenLine xmlns:a14="http://schemas.microsoft.com/office/drawing/2010/main" xmlns="" w="9525">
                 <a:solidFill>
                   <a:schemeClr val="tx1"/>
                 </a:solidFill>
@@ -378,7 +378,7 @@
               </a14:hiddenLine>
             </a:ext>
             <a:ext uri="{AF507438-7753-43E0-B8FC-AC1667EBCBE1}">
-              <a14:hiddenEffects xmlns:a14="http://schemas.microsoft.com/office/drawing/2010/main">
+              <a14:hiddenEffects xmlns:a14="http://schemas.microsoft.com/office/drawing/2010/main" xmlns="">
                 <a:effectLst>
                   <a:outerShdw dist="35921" dir="2700000" algn="ctr" rotWithShape="0">
                     <a:schemeClr val="bg2"/>
@@ -432,14 +432,14 @@
           <a:effectLst/>
           <a:extLst>
             <a:ext uri="{909E8E84-426E-40DD-AFC4-6F175D3DCCD1}">
-              <a14:hiddenFill xmlns:a14="http://schemas.microsoft.com/office/drawing/2010/main">
+              <a14:hiddenFill xmlns:a14="http://schemas.microsoft.com/office/drawing/2010/main" xmlns="">
                 <a:solidFill>
                   <a:schemeClr val="accent1"/>
                 </a:solidFill>
               </a14:hiddenFill>
             </a:ext>
             <a:ext uri="{91240B29-F687-4F45-9708-019B960494DF}">
-              <a14:hiddenLine xmlns:a14="http://schemas.microsoft.com/office/drawing/2010/main" w="9525">
+              <a14:hiddenLine xmlns:a14="http://schemas.microsoft.com/office/drawing/2010/main" xmlns="" w="9525">
                 <a:solidFill>
                   <a:schemeClr val="tx1"/>
                 </a:solidFill>
@@ -449,7 +449,7 @@
               </a14:hiddenLine>
             </a:ext>
             <a:ext uri="{AF507438-7753-43E0-B8FC-AC1667EBCBE1}">
-              <a14:hiddenEffects xmlns:a14="http://schemas.microsoft.com/office/drawing/2010/main">
+              <a14:hiddenEffects xmlns:a14="http://schemas.microsoft.com/office/drawing/2010/main" xmlns="">
                 <a:effectLst>
                   <a:outerShdw dist="35921" dir="2700000" algn="ctr" rotWithShape="0">
                     <a:schemeClr val="bg2"/>
@@ -486,7 +486,7 @@
     </p:spTree>
     <p:extLst>
       <p:ext uri="{BB962C8B-B14F-4D97-AF65-F5344CB8AC3E}">
-        <p14:creationId xmlns:p14="http://schemas.microsoft.com/office/powerpoint/2010/main" val="2069468955"/>
+        <p14:creationId xmlns:p14="http://schemas.microsoft.com/office/powerpoint/2010/main" xmlns="" val="2069468955"/>
       </p:ext>
     </p:extLst>
   </p:cSld>
@@ -544,14 +544,14 @@
           <a:effectLst/>
           <a:extLst>
             <a:ext uri="{909E8E84-426E-40DD-AFC4-6F175D3DCCD1}">
-              <a14:hiddenFill xmlns:a14="http://schemas.microsoft.com/office/drawing/2010/main">
+              <a14:hiddenFill xmlns:a14="http://schemas.microsoft.com/office/drawing/2010/main" xmlns="">
                 <a:solidFill>
                   <a:schemeClr val="accent1"/>
                 </a:solidFill>
               </a14:hiddenFill>
             </a:ext>
             <a:ext uri="{91240B29-F687-4F45-9708-019B960494DF}">
-              <a14:hiddenLine xmlns:a14="http://schemas.microsoft.com/office/drawing/2010/main" w="9525">
+              <a14:hiddenLine xmlns:a14="http://schemas.microsoft.com/office/drawing/2010/main" xmlns="" w="9525">
                 <a:solidFill>
                   <a:schemeClr val="tx1"/>
                 </a:solidFill>
@@ -561,7 +561,7 @@
               </a14:hiddenLine>
             </a:ext>
             <a:ext uri="{AF507438-7753-43E0-B8FC-AC1667EBCBE1}">
-              <a14:hiddenEffects xmlns:a14="http://schemas.microsoft.com/office/drawing/2010/main">
+              <a14:hiddenEffects xmlns:a14="http://schemas.microsoft.com/office/drawing/2010/main" xmlns="">
                 <a:effectLst>
                   <a:outerShdw dist="35921" dir="2700000" algn="ctr" rotWithShape="0">
                     <a:schemeClr val="bg2"/>
@@ -615,14 +615,14 @@
           <a:effectLst/>
           <a:extLst>
             <a:ext uri="{909E8E84-426E-40DD-AFC4-6F175D3DCCD1}">
-              <a14:hiddenFill xmlns:a14="http://schemas.microsoft.com/office/drawing/2010/main">
+              <a14:hiddenFill xmlns:a14="http://schemas.microsoft.com/office/drawing/2010/main" xmlns="">
                 <a:solidFill>
                   <a:schemeClr val="accent1"/>
                 </a:solidFill>
               </a14:hiddenFill>
             </a:ext>
             <a:ext uri="{91240B29-F687-4F45-9708-019B960494DF}">
-              <a14:hiddenLine xmlns:a14="http://schemas.microsoft.com/office/drawing/2010/main" w="9525">
+              <a14:hiddenLine xmlns:a14="http://schemas.microsoft.com/office/drawing/2010/main" xmlns="" w="9525">
                 <a:solidFill>
                   <a:schemeClr val="tx1"/>
                 </a:solidFill>
@@ -632,7 +632,7 @@
               </a14:hiddenLine>
             </a:ext>
             <a:ext uri="{AF507438-7753-43E0-B8FC-AC1667EBCBE1}">
-              <a14:hiddenEffects xmlns:a14="http://schemas.microsoft.com/office/drawing/2010/main">
+              <a14:hiddenEffects xmlns:a14="http://schemas.microsoft.com/office/drawing/2010/main" xmlns="">
                 <a:effectLst>
                   <a:outerShdw dist="35921" dir="2700000" algn="ctr" rotWithShape="0">
                     <a:schemeClr val="bg2"/>
@@ -691,7 +691,7 @@
           <a:effectLst/>
           <a:extLst>
             <a:ext uri="{AF507438-7753-43E0-B8FC-AC1667EBCBE1}">
-              <a14:hiddenEffects xmlns:a14="http://schemas.microsoft.com/office/drawing/2010/main">
+              <a14:hiddenEffects xmlns:a14="http://schemas.microsoft.com/office/drawing/2010/main" xmlns="">
                 <a:effectLst>
                   <a:outerShdw dist="35921" dir="2700000" algn="ctr" rotWithShape="0">
                     <a:srgbClr val="808080"/>
@@ -700,7 +700,7 @@
               </a14:hiddenEffects>
             </a:ext>
             <a:ext uri="{53640926-AAD7-44D8-BBD7-CCE9431645EC}">
-              <a14:shadowObscured xmlns:a14="http://schemas.microsoft.com/office/drawing/2010/main" val="1"/>
+              <a14:shadowObscured xmlns:a14="http://schemas.microsoft.com/office/drawing/2010/main" xmlns="" val="1"/>
             </a:ext>
           </a:extLst>
         </p:spPr>
@@ -730,14 +730,14 @@
           <a:effectLst/>
           <a:extLst>
             <a:ext uri="{909E8E84-426E-40DD-AFC4-6F175D3DCCD1}">
-              <a14:hiddenFill xmlns:a14="http://schemas.microsoft.com/office/drawing/2010/main">
+              <a14:hiddenFill xmlns:a14="http://schemas.microsoft.com/office/drawing/2010/main" xmlns="">
                 <a:solidFill>
                   <a:schemeClr val="accent1"/>
                 </a:solidFill>
               </a14:hiddenFill>
             </a:ext>
             <a:ext uri="{91240B29-F687-4F45-9708-019B960494DF}">
-              <a14:hiddenLine xmlns:a14="http://schemas.microsoft.com/office/drawing/2010/main" w="9525">
+              <a14:hiddenLine xmlns:a14="http://schemas.microsoft.com/office/drawing/2010/main" xmlns="" w="9525">
                 <a:solidFill>
                   <a:schemeClr val="tx1"/>
                 </a:solidFill>
@@ -747,7 +747,7 @@
               </a14:hiddenLine>
             </a:ext>
             <a:ext uri="{AF507438-7753-43E0-B8FC-AC1667EBCBE1}">
-              <a14:hiddenEffects xmlns:a14="http://schemas.microsoft.com/office/drawing/2010/main">
+              <a14:hiddenEffects xmlns:a14="http://schemas.microsoft.com/office/drawing/2010/main" xmlns="">
                 <a:effectLst>
                   <a:outerShdw dist="35921" dir="2700000" algn="ctr" rotWithShape="0">
                     <a:schemeClr val="bg2"/>
@@ -826,14 +826,14 @@
           <a:effectLst/>
           <a:extLst>
             <a:ext uri="{909E8E84-426E-40DD-AFC4-6F175D3DCCD1}">
-              <a14:hiddenFill xmlns:a14="http://schemas.microsoft.com/office/drawing/2010/main">
+              <a14:hiddenFill xmlns:a14="http://schemas.microsoft.com/office/drawing/2010/main" xmlns="">
                 <a:solidFill>
                   <a:schemeClr val="accent1"/>
                 </a:solidFill>
               </a14:hiddenFill>
             </a:ext>
             <a:ext uri="{91240B29-F687-4F45-9708-019B960494DF}">
-              <a14:hiddenLine xmlns:a14="http://schemas.microsoft.com/office/drawing/2010/main" w="9525">
+              <a14:hiddenLine xmlns:a14="http://schemas.microsoft.com/office/drawing/2010/main" xmlns="" w="9525">
                 <a:solidFill>
                   <a:schemeClr val="tx1"/>
                 </a:solidFill>
@@ -843,7 +843,7 @@
               </a14:hiddenLine>
             </a:ext>
             <a:ext uri="{AF507438-7753-43E0-B8FC-AC1667EBCBE1}">
-              <a14:hiddenEffects xmlns:a14="http://schemas.microsoft.com/office/drawing/2010/main">
+              <a14:hiddenEffects xmlns:a14="http://schemas.microsoft.com/office/drawing/2010/main" xmlns="">
                 <a:effectLst>
                   <a:outerShdw dist="35921" dir="2700000" algn="ctr" rotWithShape="0">
                     <a:schemeClr val="bg2"/>
@@ -897,14 +897,14 @@
           <a:effectLst/>
           <a:extLst>
             <a:ext uri="{909E8E84-426E-40DD-AFC4-6F175D3DCCD1}">
-              <a14:hiddenFill xmlns:a14="http://schemas.microsoft.com/office/drawing/2010/main">
+              <a14:hiddenFill xmlns:a14="http://schemas.microsoft.com/office/drawing/2010/main" xmlns="">
                 <a:solidFill>
                   <a:schemeClr val="accent1"/>
                 </a:solidFill>
               </a14:hiddenFill>
             </a:ext>
             <a:ext uri="{91240B29-F687-4F45-9708-019B960494DF}">
-              <a14:hiddenLine xmlns:a14="http://schemas.microsoft.com/office/drawing/2010/main" w="9525">
+              <a14:hiddenLine xmlns:a14="http://schemas.microsoft.com/office/drawing/2010/main" xmlns="" w="9525">
                 <a:solidFill>
                   <a:schemeClr val="tx1"/>
                 </a:solidFill>
@@ -914,7 +914,7 @@
               </a14:hiddenLine>
             </a:ext>
             <a:ext uri="{AF507438-7753-43E0-B8FC-AC1667EBCBE1}">
-              <a14:hiddenEffects xmlns:a14="http://schemas.microsoft.com/office/drawing/2010/main">
+              <a14:hiddenEffects xmlns:a14="http://schemas.microsoft.com/office/drawing/2010/main" xmlns="">
                 <a:effectLst>
                   <a:outerShdw dist="35921" dir="2700000" algn="ctr" rotWithShape="0">
                     <a:schemeClr val="bg2"/>
@@ -951,7 +951,7 @@
     </p:spTree>
     <p:extLst>
       <p:ext uri="{BB962C8B-B14F-4D97-AF65-F5344CB8AC3E}">
-        <p14:creationId xmlns:p14="http://schemas.microsoft.com/office/powerpoint/2010/main" val="4157978950"/>
+        <p14:creationId xmlns:p14="http://schemas.microsoft.com/office/powerpoint/2010/main" xmlns="" val="4157978950"/>
       </p:ext>
     </p:extLst>
   </p:cSld>
@@ -1147,7 +1147,7 @@
             <a:effectLst/>
             <a:extLst>
               <a:ext uri="{91240B29-F687-4F45-9708-019B960494DF}">
-                <a14:hiddenLine xmlns:a14="http://schemas.microsoft.com/office/drawing/2010/main" w="9525">
+                <a14:hiddenLine xmlns:a14="http://schemas.microsoft.com/office/drawing/2010/main" xmlns="" w="9525">
                   <a:solidFill>
                     <a:schemeClr val="tx1"/>
                   </a:solidFill>
@@ -1157,7 +1157,7 @@
                 </a14:hiddenLine>
               </a:ext>
               <a:ext uri="{AF507438-7753-43E0-B8FC-AC1667EBCBE1}">
-                <a14:hiddenEffects xmlns:a14="http://schemas.microsoft.com/office/drawing/2010/main">
+                <a14:hiddenEffects xmlns:a14="http://schemas.microsoft.com/office/drawing/2010/main" xmlns="">
                   <a:effectLst>
                     <a:outerShdw dist="35921" dir="2700000" algn="ctr" rotWithShape="0">
                       <a:schemeClr val="bg2"/>
@@ -1210,7 +1210,7 @@
             </a:ln>
             <a:extLst>
               <a:ext uri="{91240B29-F687-4F45-9708-019B960494DF}">
-                <a14:hiddenLine xmlns:a14="http://schemas.microsoft.com/office/drawing/2010/main" w="9525">
+                <a14:hiddenLine xmlns:a14="http://schemas.microsoft.com/office/drawing/2010/main" xmlns="" w="9525">
                   <a:solidFill>
                     <a:srgbClr val="000000"/>
                   </a:solidFill>
@@ -1280,7 +1280,7 @@
               </a:ln>
               <a:extLst>
                 <a:ext uri="{91240B29-F687-4F45-9708-019B960494DF}">
-                  <a14:hiddenLine xmlns:a14="http://schemas.microsoft.com/office/drawing/2010/main" w="9525">
+                  <a14:hiddenLine xmlns:a14="http://schemas.microsoft.com/office/drawing/2010/main" xmlns="" w="9525">
                     <a:solidFill>
                       <a:srgbClr val="000000"/>
                     </a:solidFill>
@@ -1334,7 +1334,7 @@
               </a:ln>
               <a:extLst>
                 <a:ext uri="{91240B29-F687-4F45-9708-019B960494DF}">
-                  <a14:hiddenLine xmlns:a14="http://schemas.microsoft.com/office/drawing/2010/main" w="9525">
+                  <a14:hiddenLine xmlns:a14="http://schemas.microsoft.com/office/drawing/2010/main" xmlns="" w="9525">
                     <a:solidFill>
                       <a:srgbClr val="000000"/>
                     </a:solidFill>
@@ -1388,7 +1388,7 @@
               </a:ln>
               <a:extLst>
                 <a:ext uri="{91240B29-F687-4F45-9708-019B960494DF}">
-                  <a14:hiddenLine xmlns:a14="http://schemas.microsoft.com/office/drawing/2010/main" w="9525">
+                  <a14:hiddenLine xmlns:a14="http://schemas.microsoft.com/office/drawing/2010/main" xmlns="" w="9525">
                     <a:solidFill>
                       <a:srgbClr val="000000"/>
                     </a:solidFill>
@@ -1442,7 +1442,7 @@
               </a:ln>
               <a:extLst>
                 <a:ext uri="{91240B29-F687-4F45-9708-019B960494DF}">
-                  <a14:hiddenLine xmlns:a14="http://schemas.microsoft.com/office/drawing/2010/main" w="9525">
+                  <a14:hiddenLine xmlns:a14="http://schemas.microsoft.com/office/drawing/2010/main" xmlns="" w="9525">
                     <a:solidFill>
                       <a:srgbClr val="000000"/>
                     </a:solidFill>
@@ -1496,7 +1496,7 @@
               </a:ln>
               <a:extLst>
                 <a:ext uri="{91240B29-F687-4F45-9708-019B960494DF}">
-                  <a14:hiddenLine xmlns:a14="http://schemas.microsoft.com/office/drawing/2010/main" w="9525">
+                  <a14:hiddenLine xmlns:a14="http://schemas.microsoft.com/office/drawing/2010/main" xmlns="" w="9525">
                     <a:solidFill>
                       <a:srgbClr val="000000"/>
                     </a:solidFill>
@@ -1550,7 +1550,7 @@
               </a:ln>
               <a:extLst>
                 <a:ext uri="{91240B29-F687-4F45-9708-019B960494DF}">
-                  <a14:hiddenLine xmlns:a14="http://schemas.microsoft.com/office/drawing/2010/main" w="9525">
+                  <a14:hiddenLine xmlns:a14="http://schemas.microsoft.com/office/drawing/2010/main" xmlns="" w="9525">
                     <a:solidFill>
                       <a:srgbClr val="000000"/>
                     </a:solidFill>
@@ -1604,7 +1604,7 @@
               </a:ln>
               <a:extLst>
                 <a:ext uri="{91240B29-F687-4F45-9708-019B960494DF}">
-                  <a14:hiddenLine xmlns:a14="http://schemas.microsoft.com/office/drawing/2010/main" w="9525">
+                  <a14:hiddenLine xmlns:a14="http://schemas.microsoft.com/office/drawing/2010/main" xmlns="" w="9525">
                     <a:solidFill>
                       <a:srgbClr val="000000"/>
                     </a:solidFill>
@@ -1658,7 +1658,7 @@
               </a:ln>
               <a:extLst>
                 <a:ext uri="{91240B29-F687-4F45-9708-019B960494DF}">
-                  <a14:hiddenLine xmlns:a14="http://schemas.microsoft.com/office/drawing/2010/main" w="9525">
+                  <a14:hiddenLine xmlns:a14="http://schemas.microsoft.com/office/drawing/2010/main" xmlns="" w="9525">
                     <a:solidFill>
                       <a:srgbClr val="000000"/>
                     </a:solidFill>
@@ -1712,7 +1712,7 @@
               </a:ln>
               <a:extLst>
                 <a:ext uri="{91240B29-F687-4F45-9708-019B960494DF}">
-                  <a14:hiddenLine xmlns:a14="http://schemas.microsoft.com/office/drawing/2010/main" w="9525">
+                  <a14:hiddenLine xmlns:a14="http://schemas.microsoft.com/office/drawing/2010/main" xmlns="" w="9525">
                     <a:solidFill>
                       <a:srgbClr val="000000"/>
                     </a:solidFill>
@@ -1766,7 +1766,7 @@
               </a:ln>
               <a:extLst>
                 <a:ext uri="{91240B29-F687-4F45-9708-019B960494DF}">
-                  <a14:hiddenLine xmlns:a14="http://schemas.microsoft.com/office/drawing/2010/main" w="9525">
+                  <a14:hiddenLine xmlns:a14="http://schemas.microsoft.com/office/drawing/2010/main" xmlns="" w="9525">
                     <a:solidFill>
                       <a:srgbClr val="000000"/>
                     </a:solidFill>
@@ -2125,7 +2125,7 @@
     </p:spTree>
     <p:extLst>
       <p:ext uri="{BB962C8B-B14F-4D97-AF65-F5344CB8AC3E}">
-        <p14:creationId xmlns:p14="http://schemas.microsoft.com/office/powerpoint/2010/main" val="86913377"/>
+        <p14:creationId xmlns:p14="http://schemas.microsoft.com/office/powerpoint/2010/main" xmlns="" val="86913377"/>
       </p:ext>
     </p:extLst>
   </p:cSld>
@@ -2315,7 +2315,7 @@
     </p:spTree>
     <p:extLst>
       <p:ext uri="{BB962C8B-B14F-4D97-AF65-F5344CB8AC3E}">
-        <p14:creationId xmlns:p14="http://schemas.microsoft.com/office/powerpoint/2010/main" val="4273429077"/>
+        <p14:creationId xmlns:p14="http://schemas.microsoft.com/office/powerpoint/2010/main" xmlns="" val="4273429077"/>
       </p:ext>
     </p:extLst>
   </p:cSld>
@@ -2577,7 +2577,7 @@
     </p:spTree>
     <p:extLst>
       <p:ext uri="{BB962C8B-B14F-4D97-AF65-F5344CB8AC3E}">
-        <p14:creationId xmlns:p14="http://schemas.microsoft.com/office/powerpoint/2010/main" val="831120082"/>
+        <p14:creationId xmlns:p14="http://schemas.microsoft.com/office/powerpoint/2010/main" xmlns="" val="831120082"/>
       </p:ext>
     </p:extLst>
   </p:cSld>
@@ -2810,7 +2810,7 @@
     </p:spTree>
     <p:extLst>
       <p:ext uri="{BB962C8B-B14F-4D97-AF65-F5344CB8AC3E}">
-        <p14:creationId xmlns:p14="http://schemas.microsoft.com/office/powerpoint/2010/main" val="2373605731"/>
+        <p14:creationId xmlns:p14="http://schemas.microsoft.com/office/powerpoint/2010/main" xmlns="" val="2373605731"/>
       </p:ext>
     </p:extLst>
   </p:cSld>
@@ -3043,7 +3043,7 @@
     </p:spTree>
     <p:extLst>
       <p:ext uri="{BB962C8B-B14F-4D97-AF65-F5344CB8AC3E}">
-        <p14:creationId xmlns:p14="http://schemas.microsoft.com/office/powerpoint/2010/main" val="1881871935"/>
+        <p14:creationId xmlns:p14="http://schemas.microsoft.com/office/powerpoint/2010/main" xmlns="" val="1881871935"/>
       </p:ext>
     </p:extLst>
   </p:cSld>
@@ -3223,7 +3223,7 @@
     </p:spTree>
     <p:extLst>
       <p:ext uri="{BB962C8B-B14F-4D97-AF65-F5344CB8AC3E}">
-        <p14:creationId xmlns:p14="http://schemas.microsoft.com/office/powerpoint/2010/main" val="2048350811"/>
+        <p14:creationId xmlns:p14="http://schemas.microsoft.com/office/powerpoint/2010/main" xmlns="" val="2048350811"/>
       </p:ext>
     </p:extLst>
   </p:cSld>
@@ -3425,7 +3425,7 @@
     </p:spTree>
     <p:extLst>
       <p:ext uri="{BB962C8B-B14F-4D97-AF65-F5344CB8AC3E}">
-        <p14:creationId xmlns:p14="http://schemas.microsoft.com/office/powerpoint/2010/main" val="2196783589"/>
+        <p14:creationId xmlns:p14="http://schemas.microsoft.com/office/powerpoint/2010/main" xmlns="" val="2196783589"/>
       </p:ext>
     </p:extLst>
   </p:cSld>
@@ -3723,7 +3723,7 @@
     </p:spTree>
     <p:extLst>
       <p:ext uri="{BB962C8B-B14F-4D97-AF65-F5344CB8AC3E}">
-        <p14:creationId xmlns:p14="http://schemas.microsoft.com/office/powerpoint/2010/main" val="814128731"/>
+        <p14:creationId xmlns:p14="http://schemas.microsoft.com/office/powerpoint/2010/main" xmlns="" val="814128731"/>
       </p:ext>
     </p:extLst>
   </p:cSld>
@@ -4160,7 +4160,7 @@
     </p:spTree>
     <p:extLst>
       <p:ext uri="{BB962C8B-B14F-4D97-AF65-F5344CB8AC3E}">
-        <p14:creationId xmlns:p14="http://schemas.microsoft.com/office/powerpoint/2010/main" val="692798999"/>
+        <p14:creationId xmlns:p14="http://schemas.microsoft.com/office/powerpoint/2010/main" xmlns="" val="692798999"/>
       </p:ext>
     </p:extLst>
   </p:cSld>
@@ -4288,7 +4288,7 @@
     </p:spTree>
     <p:extLst>
       <p:ext uri="{BB962C8B-B14F-4D97-AF65-F5344CB8AC3E}">
-        <p14:creationId xmlns:p14="http://schemas.microsoft.com/office/powerpoint/2010/main" val="971838808"/>
+        <p14:creationId xmlns:p14="http://schemas.microsoft.com/office/powerpoint/2010/main" xmlns="" val="971838808"/>
       </p:ext>
     </p:extLst>
   </p:cSld>
@@ -4393,7 +4393,7 @@
     </p:spTree>
     <p:extLst>
       <p:ext uri="{BB962C8B-B14F-4D97-AF65-F5344CB8AC3E}">
-        <p14:creationId xmlns:p14="http://schemas.microsoft.com/office/powerpoint/2010/main" val="4268550838"/>
+        <p14:creationId xmlns:p14="http://schemas.microsoft.com/office/powerpoint/2010/main" xmlns="" val="4268550838"/>
       </p:ext>
     </p:extLst>
   </p:cSld>
@@ -4680,7 +4680,7 @@
     </p:spTree>
     <p:extLst>
       <p:ext uri="{BB962C8B-B14F-4D97-AF65-F5344CB8AC3E}">
-        <p14:creationId xmlns:p14="http://schemas.microsoft.com/office/powerpoint/2010/main" val="835405000"/>
+        <p14:creationId xmlns:p14="http://schemas.microsoft.com/office/powerpoint/2010/main" xmlns="" val="835405000"/>
       </p:ext>
     </p:extLst>
   </p:cSld>
@@ -4947,7 +4947,7 @@
     </p:spTree>
     <p:extLst>
       <p:ext uri="{BB962C8B-B14F-4D97-AF65-F5344CB8AC3E}">
-        <p14:creationId xmlns:p14="http://schemas.microsoft.com/office/powerpoint/2010/main" val="1218909942"/>
+        <p14:creationId xmlns:p14="http://schemas.microsoft.com/office/powerpoint/2010/main" xmlns="" val="1218909942"/>
       </p:ext>
     </p:extLst>
   </p:cSld>
@@ -5008,14 +5008,14 @@
           <a:effectLst/>
           <a:extLst>
             <a:ext uri="{909E8E84-426E-40DD-AFC4-6F175D3DCCD1}">
-              <a14:hiddenFill xmlns:a14="http://schemas.microsoft.com/office/drawing/2010/main">
+              <a14:hiddenFill xmlns:a14="http://schemas.microsoft.com/office/drawing/2010/main" xmlns="">
                 <a:solidFill>
                   <a:schemeClr val="accent1"/>
                 </a:solidFill>
               </a14:hiddenFill>
             </a:ext>
             <a:ext uri="{91240B29-F687-4F45-9708-019B960494DF}">
-              <a14:hiddenLine xmlns:a14="http://schemas.microsoft.com/office/drawing/2010/main" w="9525">
+              <a14:hiddenLine xmlns:a14="http://schemas.microsoft.com/office/drawing/2010/main" xmlns="" w="9525">
                 <a:solidFill>
                   <a:schemeClr val="tx1"/>
                 </a:solidFill>
@@ -5025,7 +5025,7 @@
               </a14:hiddenLine>
             </a:ext>
             <a:ext uri="{AF507438-7753-43E0-B8FC-AC1667EBCBE1}">
-              <a14:hiddenEffects xmlns:a14="http://schemas.microsoft.com/office/drawing/2010/main">
+              <a14:hiddenEffects xmlns:a14="http://schemas.microsoft.com/office/drawing/2010/main" xmlns="">
                 <a:effectLst>
                   <a:outerShdw dist="35921" dir="2700000" algn="ctr" rotWithShape="0">
                     <a:schemeClr val="bg2"/>
@@ -5078,14 +5078,14 @@
           <a:effectLst/>
           <a:extLst>
             <a:ext uri="{909E8E84-426E-40DD-AFC4-6F175D3DCCD1}">
-              <a14:hiddenFill xmlns:a14="http://schemas.microsoft.com/office/drawing/2010/main">
+              <a14:hiddenFill xmlns:a14="http://schemas.microsoft.com/office/drawing/2010/main" xmlns="">
                 <a:solidFill>
                   <a:schemeClr val="accent1"/>
                 </a:solidFill>
               </a14:hiddenFill>
             </a:ext>
             <a:ext uri="{91240B29-F687-4F45-9708-019B960494DF}">
-              <a14:hiddenLine xmlns:a14="http://schemas.microsoft.com/office/drawing/2010/main" w="9525">
+              <a14:hiddenLine xmlns:a14="http://schemas.microsoft.com/office/drawing/2010/main" xmlns="" w="9525">
                 <a:solidFill>
                   <a:schemeClr val="tx1"/>
                 </a:solidFill>
@@ -5095,7 +5095,7 @@
               </a14:hiddenLine>
             </a:ext>
             <a:ext uri="{AF507438-7753-43E0-B8FC-AC1667EBCBE1}">
-              <a14:hiddenEffects xmlns:a14="http://schemas.microsoft.com/office/drawing/2010/main">
+              <a14:hiddenEffects xmlns:a14="http://schemas.microsoft.com/office/drawing/2010/main" xmlns="">
                 <a:effectLst>
                   <a:outerShdw dist="35921" dir="2700000" algn="ctr" rotWithShape="0">
                     <a:schemeClr val="bg2"/>
@@ -5178,7 +5178,7 @@
             <a:effectLst/>
             <a:extLst>
               <a:ext uri="{91240B29-F687-4F45-9708-019B960494DF}">
-                <a14:hiddenLine xmlns:a14="http://schemas.microsoft.com/office/drawing/2010/main" w="9525">
+                <a14:hiddenLine xmlns:a14="http://schemas.microsoft.com/office/drawing/2010/main" xmlns="" w="9525">
                   <a:solidFill>
                     <a:schemeClr val="tx1"/>
                   </a:solidFill>
@@ -5188,7 +5188,7 @@
                 </a14:hiddenLine>
               </a:ext>
               <a:ext uri="{AF507438-7753-43E0-B8FC-AC1667EBCBE1}">
-                <a14:hiddenEffects xmlns:a14="http://schemas.microsoft.com/office/drawing/2010/main">
+                <a14:hiddenEffects xmlns:a14="http://schemas.microsoft.com/office/drawing/2010/main" xmlns="">
                   <a:effectLst>
                     <a:outerShdw dist="35921" dir="2700000" algn="ctr" rotWithShape="0">
                       <a:schemeClr val="bg2"/>
@@ -5249,7 +5249,7 @@
             </a:ln>
             <a:extLst>
               <a:ext uri="{91240B29-F687-4F45-9708-019B960494DF}">
-                <a14:hiddenLine xmlns:a14="http://schemas.microsoft.com/office/drawing/2010/main" w="9525">
+                <a14:hiddenLine xmlns:a14="http://schemas.microsoft.com/office/drawing/2010/main" xmlns="" w="9525">
                   <a:solidFill>
                     <a:srgbClr val="000000"/>
                   </a:solidFill>
@@ -5303,7 +5303,7 @@
             </a:ln>
             <a:extLst>
               <a:ext uri="{91240B29-F687-4F45-9708-019B960494DF}">
-                <a14:hiddenLine xmlns:a14="http://schemas.microsoft.com/office/drawing/2010/main" w="9525">
+                <a14:hiddenLine xmlns:a14="http://schemas.microsoft.com/office/drawing/2010/main" xmlns="" w="9525">
                   <a:solidFill>
                     <a:srgbClr val="000000"/>
                   </a:solidFill>
@@ -5352,7 +5352,7 @@
             </a:ln>
             <a:extLst>
               <a:ext uri="{91240B29-F687-4F45-9708-019B960494DF}">
-                <a14:hiddenLine xmlns:a14="http://schemas.microsoft.com/office/drawing/2010/main" w="9525">
+                <a14:hiddenLine xmlns:a14="http://schemas.microsoft.com/office/drawing/2010/main" xmlns="" w="9525">
                   <a:solidFill>
                     <a:srgbClr val="000000"/>
                   </a:solidFill>
@@ -5401,7 +5401,7 @@
             </a:ln>
             <a:extLst>
               <a:ext uri="{91240B29-F687-4F45-9708-019B960494DF}">
-                <a14:hiddenLine xmlns:a14="http://schemas.microsoft.com/office/drawing/2010/main" w="9525">
+                <a14:hiddenLine xmlns:a14="http://schemas.microsoft.com/office/drawing/2010/main" xmlns="" w="9525">
                   <a:solidFill>
                     <a:srgbClr val="000000"/>
                   </a:solidFill>
@@ -5450,7 +5450,7 @@
             </a:ln>
             <a:extLst>
               <a:ext uri="{91240B29-F687-4F45-9708-019B960494DF}">
-                <a14:hiddenLine xmlns:a14="http://schemas.microsoft.com/office/drawing/2010/main" w="9525">
+                <a14:hiddenLine xmlns:a14="http://schemas.microsoft.com/office/drawing/2010/main" xmlns="" w="9525">
                   <a:solidFill>
                     <a:srgbClr val="000000"/>
                   </a:solidFill>
@@ -5499,7 +5499,7 @@
             </a:ln>
             <a:extLst>
               <a:ext uri="{91240B29-F687-4F45-9708-019B960494DF}">
-                <a14:hiddenLine xmlns:a14="http://schemas.microsoft.com/office/drawing/2010/main" w="9525">
+                <a14:hiddenLine xmlns:a14="http://schemas.microsoft.com/office/drawing/2010/main" xmlns="" w="9525">
                   <a:solidFill>
                     <a:srgbClr val="000000"/>
                   </a:solidFill>
@@ -5553,7 +5553,7 @@
             </a:ln>
             <a:extLst>
               <a:ext uri="{91240B29-F687-4F45-9708-019B960494DF}">
-                <a14:hiddenLine xmlns:a14="http://schemas.microsoft.com/office/drawing/2010/main" w="9525">
+                <a14:hiddenLine xmlns:a14="http://schemas.microsoft.com/office/drawing/2010/main" xmlns="" w="9525">
                   <a:solidFill>
                     <a:srgbClr val="000000"/>
                   </a:solidFill>
@@ -5602,7 +5602,7 @@
             </a:ln>
             <a:extLst>
               <a:ext uri="{91240B29-F687-4F45-9708-019B960494DF}">
-                <a14:hiddenLine xmlns:a14="http://schemas.microsoft.com/office/drawing/2010/main" w="9525">
+                <a14:hiddenLine xmlns:a14="http://schemas.microsoft.com/office/drawing/2010/main" xmlns="" w="9525">
                   <a:solidFill>
                     <a:srgbClr val="000000"/>
                   </a:solidFill>
@@ -5653,14 +5653,14 @@
           <a:effectLst/>
           <a:extLst>
             <a:ext uri="{909E8E84-426E-40DD-AFC4-6F175D3DCCD1}">
-              <a14:hiddenFill xmlns:a14="http://schemas.microsoft.com/office/drawing/2010/main">
+              <a14:hiddenFill xmlns:a14="http://schemas.microsoft.com/office/drawing/2010/main" xmlns="">
                 <a:solidFill>
                   <a:schemeClr val="accent1"/>
                 </a:solidFill>
               </a14:hiddenFill>
             </a:ext>
             <a:ext uri="{91240B29-F687-4F45-9708-019B960494DF}">
-              <a14:hiddenLine xmlns:a14="http://schemas.microsoft.com/office/drawing/2010/main" w="9525">
+              <a14:hiddenLine xmlns:a14="http://schemas.microsoft.com/office/drawing/2010/main" xmlns="" w="9525">
                 <a:solidFill>
                   <a:schemeClr val="tx1"/>
                 </a:solidFill>
@@ -5670,7 +5670,7 @@
               </a14:hiddenLine>
             </a:ext>
             <a:ext uri="{AF507438-7753-43E0-B8FC-AC1667EBCBE1}">
-              <a14:hiddenEffects xmlns:a14="http://schemas.microsoft.com/office/drawing/2010/main">
+              <a14:hiddenEffects xmlns:a14="http://schemas.microsoft.com/office/drawing/2010/main" xmlns="">
                 <a:effectLst>
                   <a:outerShdw dist="35921" dir="2700000" algn="ctr" rotWithShape="0">
                     <a:schemeClr val="bg2"/>
@@ -5721,14 +5721,14 @@
           <a:effectLst/>
           <a:extLst>
             <a:ext uri="{909E8E84-426E-40DD-AFC4-6F175D3DCCD1}">
-              <a14:hiddenFill xmlns:a14="http://schemas.microsoft.com/office/drawing/2010/main">
+              <a14:hiddenFill xmlns:a14="http://schemas.microsoft.com/office/drawing/2010/main" xmlns="">
                 <a:solidFill>
                   <a:schemeClr val="accent1"/>
                 </a:solidFill>
               </a14:hiddenFill>
             </a:ext>
             <a:ext uri="{91240B29-F687-4F45-9708-019B960494DF}">
-              <a14:hiddenLine xmlns:a14="http://schemas.microsoft.com/office/drawing/2010/main" w="9525">
+              <a14:hiddenLine xmlns:a14="http://schemas.microsoft.com/office/drawing/2010/main" xmlns="" w="9525">
                 <a:solidFill>
                   <a:schemeClr val="tx1"/>
                 </a:solidFill>
@@ -5738,7 +5738,7 @@
               </a14:hiddenLine>
             </a:ext>
             <a:ext uri="{AF507438-7753-43E0-B8FC-AC1667EBCBE1}">
-              <a14:hiddenEffects xmlns:a14="http://schemas.microsoft.com/office/drawing/2010/main">
+              <a14:hiddenEffects xmlns:a14="http://schemas.microsoft.com/office/drawing/2010/main" xmlns="">
                 <a:effectLst>
                   <a:outerShdw dist="35921" dir="2700000" algn="ctr" rotWithShape="0">
                     <a:schemeClr val="bg2"/>
@@ -5817,14 +5817,14 @@
           <a:effectLst/>
           <a:extLst>
             <a:ext uri="{909E8E84-426E-40DD-AFC4-6F175D3DCCD1}">
-              <a14:hiddenFill xmlns:a14="http://schemas.microsoft.com/office/drawing/2010/main">
+              <a14:hiddenFill xmlns:a14="http://schemas.microsoft.com/office/drawing/2010/main" xmlns="">
                 <a:solidFill>
                   <a:schemeClr val="accent1"/>
                 </a:solidFill>
               </a14:hiddenFill>
             </a:ext>
             <a:ext uri="{91240B29-F687-4F45-9708-019B960494DF}">
-              <a14:hiddenLine xmlns:a14="http://schemas.microsoft.com/office/drawing/2010/main" w="9525">
+              <a14:hiddenLine xmlns:a14="http://schemas.microsoft.com/office/drawing/2010/main" xmlns="" w="9525">
                 <a:solidFill>
                   <a:schemeClr val="tx1"/>
                 </a:solidFill>
@@ -5834,7 +5834,7 @@
               </a14:hiddenLine>
             </a:ext>
             <a:ext uri="{AF507438-7753-43E0-B8FC-AC1667EBCBE1}">
-              <a14:hiddenEffects xmlns:a14="http://schemas.microsoft.com/office/drawing/2010/main">
+              <a14:hiddenEffects xmlns:a14="http://schemas.microsoft.com/office/drawing/2010/main" xmlns="">
                 <a:effectLst>
                   <a:outerShdw dist="35921" dir="2700000" algn="ctr" rotWithShape="0">
                     <a:schemeClr val="bg2"/>
@@ -6543,7 +6543,7 @@
             <a:effectLst/>
             <a:extLst>
               <a:ext uri="{AF507438-7753-43E0-B8FC-AC1667EBCBE1}">
-                <a14:hiddenEffects xmlns:a14="http://schemas.microsoft.com/office/drawing/2010/main">
+                <a14:hiddenEffects xmlns:a14="http://schemas.microsoft.com/office/drawing/2010/main" xmlns="">
                   <a:effectLst>
                     <a:outerShdw dist="35921" dir="2700000" algn="ctr" rotWithShape="0">
                       <a:schemeClr val="bg2"/>
@@ -6583,7 +6583,7 @@
             <a:effectLst/>
             <a:extLst>
               <a:ext uri="{AF507438-7753-43E0-B8FC-AC1667EBCBE1}">
-                <a14:hiddenEffects xmlns:a14="http://schemas.microsoft.com/office/drawing/2010/main">
+                <a14:hiddenEffects xmlns:a14="http://schemas.microsoft.com/office/drawing/2010/main" xmlns="">
                   <a:effectLst>
                     <a:outerShdw dist="35921" dir="2700000" algn="ctr" rotWithShape="0">
                       <a:schemeClr val="bg2"/>
@@ -6623,7 +6623,7 @@
             <a:effectLst/>
             <a:extLst>
               <a:ext uri="{AF507438-7753-43E0-B8FC-AC1667EBCBE1}">
-                <a14:hiddenEffects xmlns:a14="http://schemas.microsoft.com/office/drawing/2010/main">
+                <a14:hiddenEffects xmlns:a14="http://schemas.microsoft.com/office/drawing/2010/main" xmlns="">
                   <a:effectLst>
                     <a:outerShdw dist="35921" dir="2700000" algn="ctr" rotWithShape="0">
                       <a:schemeClr val="bg2"/>
@@ -6666,7 +6666,7 @@
             <a:effectLst/>
             <a:extLst>
               <a:ext uri="{AF507438-7753-43E0-B8FC-AC1667EBCBE1}">
-                <a14:hiddenEffects xmlns:a14="http://schemas.microsoft.com/office/drawing/2010/main">
+                <a14:hiddenEffects xmlns:a14="http://schemas.microsoft.com/office/drawing/2010/main" xmlns="">
                   <a:effectLst>
                     <a:outerShdw dist="35921" dir="2700000" algn="ctr" rotWithShape="0">
                       <a:schemeClr val="bg2"/>
@@ -6832,7 +6832,7 @@
     </p:spTree>
     <p:extLst>
       <p:ext uri="{BB962C8B-B14F-4D97-AF65-F5344CB8AC3E}">
-        <p14:creationId xmlns:p14="http://schemas.microsoft.com/office/powerpoint/2010/main" val="703775315"/>
+        <p14:creationId xmlns:p14="http://schemas.microsoft.com/office/powerpoint/2010/main" xmlns="" val="703775315"/>
       </p:ext>
     </p:extLst>
   </p:cSld>
@@ -7104,7 +7104,7 @@
             <a:effectLst/>
             <a:extLst>
               <a:ext uri="{AF507438-7753-43E0-B8FC-AC1667EBCBE1}">
-                <a14:hiddenEffects xmlns:a14="http://schemas.microsoft.com/office/drawing/2010/main">
+                <a14:hiddenEffects xmlns:a14="http://schemas.microsoft.com/office/drawing/2010/main" xmlns="">
                   <a:effectLst>
                     <a:outerShdw dist="35921" dir="2700000" algn="ctr" rotWithShape="0">
                       <a:schemeClr val="bg2"/>
@@ -7144,7 +7144,7 @@
             <a:effectLst/>
             <a:extLst>
               <a:ext uri="{AF507438-7753-43E0-B8FC-AC1667EBCBE1}">
-                <a14:hiddenEffects xmlns:a14="http://schemas.microsoft.com/office/drawing/2010/main">
+                <a14:hiddenEffects xmlns:a14="http://schemas.microsoft.com/office/drawing/2010/main" xmlns="">
                   <a:effectLst>
                     <a:outerShdw dist="35921" dir="2700000" algn="ctr" rotWithShape="0">
                       <a:schemeClr val="bg2"/>
@@ -7184,7 +7184,7 @@
             <a:effectLst/>
             <a:extLst>
               <a:ext uri="{AF507438-7753-43E0-B8FC-AC1667EBCBE1}">
-                <a14:hiddenEffects xmlns:a14="http://schemas.microsoft.com/office/drawing/2010/main">
+                <a14:hiddenEffects xmlns:a14="http://schemas.microsoft.com/office/drawing/2010/main" xmlns="">
                   <a:effectLst>
                     <a:outerShdw dist="35921" dir="2700000" algn="ctr" rotWithShape="0">
                       <a:schemeClr val="bg2"/>
@@ -7227,7 +7227,7 @@
             <a:effectLst/>
             <a:extLst>
               <a:ext uri="{AF507438-7753-43E0-B8FC-AC1667EBCBE1}">
-                <a14:hiddenEffects xmlns:a14="http://schemas.microsoft.com/office/drawing/2010/main">
+                <a14:hiddenEffects xmlns:a14="http://schemas.microsoft.com/office/drawing/2010/main" xmlns="">
                   <a:effectLst>
                     <a:outerShdw dist="35921" dir="2700000" algn="ctr" rotWithShape="0">
                       <a:schemeClr val="bg2"/>
@@ -7475,7 +7475,7 @@
           <p:nvPr/>
         </p:nvPicPr>
         <p:blipFill>
-          <a:blip r:embed="rId3"/>
+          <a:blip r:embed="rId3" cstate="print"/>
           <a:stretch>
             <a:fillRect/>
           </a:stretch>
@@ -7642,7 +7642,7 @@
           <a:effectLst/>
           <a:extLst>
             <a:ext uri="{AF507438-7753-43E0-B8FC-AC1667EBCBE1}">
-              <a14:hiddenEffects xmlns:a14="http://schemas.microsoft.com/office/drawing/2010/main">
+              <a14:hiddenEffects xmlns:a14="http://schemas.microsoft.com/office/drawing/2010/main" xmlns="">
                 <a:effectLst>
                   <a:outerShdw dist="35921" dir="2700000" algn="ctr" rotWithShape="0">
                     <a:schemeClr val="bg2"/>
@@ -7731,7 +7731,7 @@
           <a:effectLst/>
           <a:extLst>
             <a:ext uri="{AF507438-7753-43E0-B8FC-AC1667EBCBE1}">
-              <a14:hiddenEffects xmlns:a14="http://schemas.microsoft.com/office/drawing/2010/main">
+              <a14:hiddenEffects xmlns:a14="http://schemas.microsoft.com/office/drawing/2010/main" xmlns="">
                 <a:effectLst>
                   <a:outerShdw dist="35921" dir="2700000" algn="ctr" rotWithShape="0">
                     <a:schemeClr val="bg2"/>
@@ -7823,7 +7823,7 @@
           <a:effectLst/>
           <a:extLst>
             <a:ext uri="{AF507438-7753-43E0-B8FC-AC1667EBCBE1}">
-              <a14:hiddenEffects xmlns:a14="http://schemas.microsoft.com/office/drawing/2010/main">
+              <a14:hiddenEffects xmlns:a14="http://schemas.microsoft.com/office/drawing/2010/main" xmlns="">
                 <a:effectLst>
                   <a:outerShdw dist="35921" dir="2700000" algn="ctr" rotWithShape="0">
                     <a:schemeClr val="bg2"/>
@@ -7896,10 +7896,138 @@
           </a:p>
         </p:txBody>
       </p:sp>
+      <p:sp>
+        <p:nvSpPr>
+          <p:cNvPr id="21" name="직사각형 20"/>
+          <p:cNvSpPr/>
+          <p:nvPr/>
+        </p:nvSpPr>
+        <p:spPr bwMode="auto">
+          <a:xfrm>
+            <a:off x="5580112" y="692696"/>
+            <a:ext cx="4032448" cy="2088232"/>
+          </a:xfrm>
+          <a:prstGeom prst="rect">
+            <a:avLst/>
+          </a:prstGeom>
+          <a:solidFill>
+            <a:schemeClr val="accent1"/>
+          </a:solidFill>
+          <a:ln w="9525" cap="flat" cmpd="sng" algn="ctr">
+            <a:solidFill>
+              <a:schemeClr val="tx1"/>
+            </a:solidFill>
+            <a:prstDash val="solid"/>
+            <a:round/>
+            <a:headEnd type="none" w="med" len="med"/>
+            <a:tailEnd type="none" w="med" len="med"/>
+          </a:ln>
+          <a:effectLst/>
+          <a:extLst>
+            <a:ext uri="{AF507438-7753-43E0-B8FC-AC1667EBCBE1}">
+              <a14:hiddenEffects xmlns:a14="http://schemas.microsoft.com/office/drawing/2010/main" xmlns="">
+                <a:effectLst>
+                  <a:outerShdw dist="35921" dir="2700000" algn="ctr" rotWithShape="0">
+                    <a:schemeClr val="bg2"/>
+                  </a:outerShdw>
+                </a:effectLst>
+              </a14:hiddenEffects>
+            </a:ext>
+          </a:extLst>
+        </p:spPr>
+        <p:txBody>
+          <a:bodyPr vert="horz" wrap="none" lIns="91440" tIns="45720" rIns="91440" bIns="45720" numCol="1" rtlCol="0" anchor="ctr" anchorCtr="0" compatLnSpc="1">
+            <a:prstTxWarp prst="textNoShape">
+              <a:avLst/>
+            </a:prstTxWarp>
+          </a:bodyPr>
+          <a:lstStyle/>
+          <a:p>
+            <a:pPr marL="0" marR="0" indent="0" algn="ctr" defTabSz="914400" rtl="0" eaLnBrk="0" fontAlgn="base" latinLnBrk="0" hangingPunct="0">
+              <a:lnSpc>
+                <a:spcPct val="100000"/>
+              </a:lnSpc>
+              <a:spcBef>
+                <a:spcPct val="0"/>
+              </a:spcBef>
+              <a:spcAft>
+                <a:spcPct val="0"/>
+              </a:spcAft>
+              <a:buClrTx/>
+              <a:buSzTx/>
+              <a:buFontTx/>
+              <a:buNone/>
+              <a:tabLst/>
+            </a:pPr>
+            <a:r>
+              <a:rPr lang="en-US" altLang="ko-KR" sz="3600" dirty="0" smtClean="0"/>
+              <a:t>1.</a:t>
+            </a:r>
+            <a:r>
+              <a:rPr lang="ko-KR" altLang="en-US" sz="3600" dirty="0" err="1" smtClean="0"/>
+              <a:t>줄간격</a:t>
+            </a:r>
+            <a:r>
+              <a:rPr lang="ko-KR" altLang="en-US" sz="3600" dirty="0" smtClean="0"/>
+              <a:t> 재문의</a:t>
+            </a:r>
+            <a:endParaRPr lang="en-US" altLang="ko-KR" sz="3600" dirty="0" smtClean="0"/>
+          </a:p>
+          <a:p>
+            <a:pPr marL="0" marR="0" indent="0" algn="ctr" defTabSz="914400" rtl="0" eaLnBrk="0" fontAlgn="base" latinLnBrk="0" hangingPunct="0">
+              <a:lnSpc>
+                <a:spcPct val="100000"/>
+              </a:lnSpc>
+              <a:spcBef>
+                <a:spcPct val="0"/>
+              </a:spcBef>
+              <a:spcAft>
+                <a:spcPct val="0"/>
+              </a:spcAft>
+              <a:buClrTx/>
+              <a:buSzTx/>
+              <a:buFontTx/>
+              <a:buNone/>
+              <a:tabLst/>
+            </a:pPr>
+            <a:r>
+              <a:rPr kumimoji="0" lang="en-US" altLang="ko-KR" sz="3600" b="0" i="0" u="none" strike="noStrike" cap="none" normalizeH="0" baseline="0" dirty="0" smtClean="0">
+                <a:ln>
+                  <a:noFill/>
+                </a:ln>
+                <a:solidFill>
+                  <a:schemeClr val="tx1"/>
+                </a:solidFill>
+                <a:effectLst/>
+                <a:latin typeface="Arial" charset="0"/>
+              </a:rPr>
+              <a:t>2. </a:t>
+            </a:r>
+            <a:r>
+              <a:rPr lang="ko-KR" altLang="en-US" sz="3600" dirty="0" smtClean="0"/>
+              <a:t>완</a:t>
+            </a:r>
+            <a:r>
+              <a:rPr lang="ko-KR" altLang="en-US" sz="3600" dirty="0" smtClean="0"/>
+              <a:t>료</a:t>
+            </a:r>
+            <a:endParaRPr kumimoji="0" lang="ko-KR" altLang="en-US" sz="3600" b="0" i="0" u="none" strike="noStrike" cap="none" normalizeH="0" baseline="0" dirty="0" smtClean="0">
+              <a:ln>
+                <a:noFill/>
+              </a:ln>
+              <a:solidFill>
+                <a:schemeClr val="tx1"/>
+              </a:solidFill>
+              <a:effectLst/>
+              <a:latin typeface="Arial" charset="0"/>
+            </a:endParaRPr>
+          </a:p>
+        </p:txBody>
+      </p:sp>
     </p:spTree>
     <p:extLst>
       <p:ext uri="{BB962C8B-B14F-4D97-AF65-F5344CB8AC3E}">
-        <p14:creationId xmlns:p14="http://schemas.microsoft.com/office/powerpoint/2010/main" val="621323672"/>
+        <p14:creationId xmlns:p14="http://schemas.microsoft.com/office/powerpoint/2010/main" xmlns="" val="621323672"/>
       </p:ext>
     </p:extLst>
   </p:cSld>
@@ -8171,7 +8299,7 @@
             <a:effectLst/>
             <a:extLst>
               <a:ext uri="{AF507438-7753-43E0-B8FC-AC1667EBCBE1}">
-                <a14:hiddenEffects xmlns:a14="http://schemas.microsoft.com/office/drawing/2010/main">
+                <a14:hiddenEffects xmlns:a14="http://schemas.microsoft.com/office/drawing/2010/main" xmlns="">
                   <a:effectLst>
                     <a:outerShdw dist="35921" dir="2700000" algn="ctr" rotWithShape="0">
                       <a:schemeClr val="bg2"/>
@@ -8211,7 +8339,7 @@
             <a:effectLst/>
             <a:extLst>
               <a:ext uri="{AF507438-7753-43E0-B8FC-AC1667EBCBE1}">
-                <a14:hiddenEffects xmlns:a14="http://schemas.microsoft.com/office/drawing/2010/main">
+                <a14:hiddenEffects xmlns:a14="http://schemas.microsoft.com/office/drawing/2010/main" xmlns="">
                   <a:effectLst>
                     <a:outerShdw dist="35921" dir="2700000" algn="ctr" rotWithShape="0">
                       <a:schemeClr val="bg2"/>
@@ -8251,7 +8379,7 @@
             <a:effectLst/>
             <a:extLst>
               <a:ext uri="{AF507438-7753-43E0-B8FC-AC1667EBCBE1}">
-                <a14:hiddenEffects xmlns:a14="http://schemas.microsoft.com/office/drawing/2010/main">
+                <a14:hiddenEffects xmlns:a14="http://schemas.microsoft.com/office/drawing/2010/main" xmlns="">
                   <a:effectLst>
                     <a:outerShdw dist="35921" dir="2700000" algn="ctr" rotWithShape="0">
                       <a:schemeClr val="bg2"/>
@@ -8294,7 +8422,7 @@
             <a:effectLst/>
             <a:extLst>
               <a:ext uri="{AF507438-7753-43E0-B8FC-AC1667EBCBE1}">
-                <a14:hiddenEffects xmlns:a14="http://schemas.microsoft.com/office/drawing/2010/main">
+                <a14:hiddenEffects xmlns:a14="http://schemas.microsoft.com/office/drawing/2010/main" xmlns="">
                   <a:effectLst>
                     <a:outerShdw dist="35921" dir="2700000" algn="ctr" rotWithShape="0">
                       <a:schemeClr val="bg2"/>
@@ -8542,7 +8670,7 @@
         <p:spPr>
           <a:xfrm>
             <a:off x="1356846" y="5805264"/>
-            <a:ext cx="4849404" cy="646331"/>
+            <a:ext cx="7411003" cy="646331"/>
           </a:xfrm>
           <a:prstGeom prst="rect">
             <a:avLst/>
@@ -8568,11 +8696,7 @@
             </a:r>
             <a:r>
               <a:rPr lang="ko-KR" altLang="en-US" sz="1200" dirty="0" smtClean="0"/>
-              <a:t>거래처 구분 </a:t>
-            </a:r>
-            <a:r>
-              <a:rPr lang="ko-KR" altLang="en-US" sz="1200" dirty="0" smtClean="0"/>
-              <a:t>한글명칭 수정</a:t>
+              <a:t>거래처 구분 한글명칭 수정</a:t>
             </a:r>
             <a:endParaRPr lang="en-US" altLang="ko-KR" sz="1200" dirty="0" smtClean="0"/>
           </a:p>
@@ -8594,7 +8718,7 @@
             </a:r>
             <a:r>
               <a:rPr lang="ko-KR" altLang="en-US" sz="1200" dirty="0" smtClean="0"/>
-              <a:t>에 출력 되는 항목의 데이터 사이즈에 맞게 조정</a:t>
+              <a:t>에</a:t>
             </a:r>
             <a:endParaRPr lang="en-US" altLang="ko-KR" sz="1200" dirty="0" smtClean="0"/>
           </a:p>
@@ -8626,6 +8750,10 @@
             <a:r>
               <a:rPr lang="ko-KR" altLang="en-US" sz="1200" dirty="0" smtClean="0"/>
               <a:t>거래처 명은 늘리고 등등 </a:t>
+            </a:r>
+            <a:r>
+              <a:rPr lang="ko-KR" altLang="en-US" sz="1200" dirty="0" smtClean="0"/>
+              <a:t>출력 되는 항목의 데이터 사이즈에 맞게 조정</a:t>
             </a:r>
             <a:endParaRPr lang="ko-KR" altLang="en-US" sz="1200" dirty="0"/>
           </a:p>
@@ -8640,7 +8768,7 @@
           <p:nvPr/>
         </p:nvPicPr>
         <p:blipFill>
-          <a:blip r:embed="rId3"/>
+          <a:blip r:embed="rId3" cstate="print"/>
           <a:stretch>
             <a:fillRect/>
           </a:stretch>
@@ -8664,7 +8792,7 @@
           <p:nvPr/>
         </p:nvPicPr>
         <p:blipFill>
-          <a:blip r:embed="rId4"/>
+          <a:blip r:embed="rId4" cstate="print"/>
           <a:stretch>
             <a:fillRect/>
           </a:stretch>
@@ -8772,7 +8900,7 @@
           <a:effectLst/>
           <a:extLst>
             <a:ext uri="{AF507438-7753-43E0-B8FC-AC1667EBCBE1}">
-              <a14:hiddenEffects xmlns:a14="http://schemas.microsoft.com/office/drawing/2010/main">
+              <a14:hiddenEffects xmlns:a14="http://schemas.microsoft.com/office/drawing/2010/main" xmlns="">
                 <a:effectLst>
                   <a:outerShdw dist="35921" dir="2700000" algn="ctr" rotWithShape="0">
                     <a:schemeClr val="bg2"/>
@@ -8850,7 +8978,7 @@
           <a:effectLst/>
           <a:extLst>
             <a:ext uri="{AF507438-7753-43E0-B8FC-AC1667EBCBE1}">
-              <a14:hiddenEffects xmlns:a14="http://schemas.microsoft.com/office/drawing/2010/main">
+              <a14:hiddenEffects xmlns:a14="http://schemas.microsoft.com/office/drawing/2010/main" xmlns="">
                 <a:effectLst>
                   <a:outerShdw dist="35921" dir="2700000" algn="ctr" rotWithShape="0">
                     <a:schemeClr val="bg2"/>
@@ -8939,7 +9067,7 @@
           <a:effectLst/>
           <a:extLst>
             <a:ext uri="{AF507438-7753-43E0-B8FC-AC1667EBCBE1}">
-              <a14:hiddenEffects xmlns:a14="http://schemas.microsoft.com/office/drawing/2010/main">
+              <a14:hiddenEffects xmlns:a14="http://schemas.microsoft.com/office/drawing/2010/main" xmlns="">
                 <a:effectLst>
                   <a:outerShdw dist="35921" dir="2700000" algn="ctr" rotWithShape="0">
                     <a:schemeClr val="bg2"/>
@@ -9260,10 +9388,117 @@
           </a:p>
         </p:txBody>
       </p:sp>
+      <p:sp>
+        <p:nvSpPr>
+          <p:cNvPr id="29" name="직사각형 28"/>
+          <p:cNvSpPr/>
+          <p:nvPr/>
+        </p:nvSpPr>
+        <p:spPr bwMode="auto">
+          <a:xfrm>
+            <a:off x="5580112" y="692696"/>
+            <a:ext cx="4032448" cy="2088232"/>
+          </a:xfrm>
+          <a:prstGeom prst="rect">
+            <a:avLst/>
+          </a:prstGeom>
+          <a:solidFill>
+            <a:schemeClr val="accent1"/>
+          </a:solidFill>
+          <a:ln w="9525" cap="flat" cmpd="sng" algn="ctr">
+            <a:solidFill>
+              <a:schemeClr val="tx1"/>
+            </a:solidFill>
+            <a:prstDash val="solid"/>
+            <a:round/>
+            <a:headEnd type="none" w="med" len="med"/>
+            <a:tailEnd type="none" w="med" len="med"/>
+          </a:ln>
+          <a:effectLst/>
+          <a:extLst>
+            <a:ext uri="{AF507438-7753-43E0-B8FC-AC1667EBCBE1}">
+              <a14:hiddenEffects xmlns:a14="http://schemas.microsoft.com/office/drawing/2010/main" xmlns="">
+                <a:effectLst>
+                  <a:outerShdw dist="35921" dir="2700000" algn="ctr" rotWithShape="0">
+                    <a:schemeClr val="bg2"/>
+                  </a:outerShdw>
+                </a:effectLst>
+              </a14:hiddenEffects>
+            </a:ext>
+          </a:extLst>
+        </p:spPr>
+        <p:txBody>
+          <a:bodyPr vert="horz" wrap="none" lIns="91440" tIns="45720" rIns="91440" bIns="45720" numCol="1" rtlCol="0" anchor="ctr" anchorCtr="0" compatLnSpc="1">
+            <a:prstTxWarp prst="textNoShape">
+              <a:avLst/>
+            </a:prstTxWarp>
+          </a:bodyPr>
+          <a:lstStyle/>
+          <a:p>
+            <a:pPr marL="742950" marR="0" indent="-742950" algn="ctr" defTabSz="914400" rtl="0" eaLnBrk="0" fontAlgn="base" latinLnBrk="0" hangingPunct="0">
+              <a:lnSpc>
+                <a:spcPct val="100000"/>
+              </a:lnSpc>
+              <a:spcBef>
+                <a:spcPct val="0"/>
+              </a:spcBef>
+              <a:spcAft>
+                <a:spcPct val="0"/>
+              </a:spcAft>
+              <a:buClrTx/>
+              <a:buSzTx/>
+              <a:buFontTx/>
+              <a:buAutoNum type="arabicPeriod"/>
+              <a:tabLst/>
+            </a:pPr>
+            <a:r>
+              <a:rPr lang="ko-KR" altLang="en-US" sz="3600" dirty="0" smtClean="0"/>
+              <a:t>완료 </a:t>
+            </a:r>
+            <a:endParaRPr lang="en-US" altLang="ko-KR" sz="3600" dirty="0" smtClean="0"/>
+          </a:p>
+          <a:p>
+            <a:pPr marL="742950" marR="0" indent="-742950" algn="ctr" defTabSz="914400" rtl="0" eaLnBrk="0" fontAlgn="base" latinLnBrk="0" hangingPunct="0">
+              <a:lnSpc>
+                <a:spcPct val="100000"/>
+              </a:lnSpc>
+              <a:spcBef>
+                <a:spcPct val="0"/>
+              </a:spcBef>
+              <a:spcAft>
+                <a:spcPct val="0"/>
+              </a:spcAft>
+              <a:buClrTx/>
+              <a:buSzTx/>
+              <a:buFontTx/>
+              <a:buAutoNum type="arabicPeriod"/>
+              <a:tabLst/>
+            </a:pPr>
+            <a:r>
+              <a:rPr lang="ko-KR" altLang="en-US" sz="3600" dirty="0" err="1" smtClean="0"/>
+              <a:t>간격재문</a:t>
+            </a:r>
+            <a:r>
+              <a:rPr lang="ko-KR" altLang="en-US" sz="3600" dirty="0" err="1" smtClean="0"/>
+              <a:t>의</a:t>
+            </a:r>
+            <a:endParaRPr kumimoji="0" lang="ko-KR" altLang="en-US" sz="3600" b="0" i="0" u="none" strike="noStrike" cap="none" normalizeH="0" baseline="0" dirty="0" smtClean="0">
+              <a:ln>
+                <a:noFill/>
+              </a:ln>
+              <a:solidFill>
+                <a:schemeClr val="tx1"/>
+              </a:solidFill>
+              <a:effectLst/>
+              <a:latin typeface="Arial" charset="0"/>
+            </a:endParaRPr>
+          </a:p>
+        </p:txBody>
+      </p:sp>
     </p:spTree>
     <p:extLst>
       <p:ext uri="{BB962C8B-B14F-4D97-AF65-F5344CB8AC3E}">
-        <p14:creationId xmlns:p14="http://schemas.microsoft.com/office/powerpoint/2010/main" val="1850877001"/>
+        <p14:creationId xmlns:p14="http://schemas.microsoft.com/office/powerpoint/2010/main" xmlns="" val="1850877001"/>
       </p:ext>
     </p:extLst>
   </p:cSld>
@@ -9535,7 +9770,7 @@
             <a:effectLst/>
             <a:extLst>
               <a:ext uri="{AF507438-7753-43E0-B8FC-AC1667EBCBE1}">
-                <a14:hiddenEffects xmlns:a14="http://schemas.microsoft.com/office/drawing/2010/main">
+                <a14:hiddenEffects xmlns:a14="http://schemas.microsoft.com/office/drawing/2010/main" xmlns="">
                   <a:effectLst>
                     <a:outerShdw dist="35921" dir="2700000" algn="ctr" rotWithShape="0">
                       <a:schemeClr val="bg2"/>
@@ -9575,7 +9810,7 @@
             <a:effectLst/>
             <a:extLst>
               <a:ext uri="{AF507438-7753-43E0-B8FC-AC1667EBCBE1}">
-                <a14:hiddenEffects xmlns:a14="http://schemas.microsoft.com/office/drawing/2010/main">
+                <a14:hiddenEffects xmlns:a14="http://schemas.microsoft.com/office/drawing/2010/main" xmlns="">
                   <a:effectLst>
                     <a:outerShdw dist="35921" dir="2700000" algn="ctr" rotWithShape="0">
                       <a:schemeClr val="bg2"/>
@@ -9615,7 +9850,7 @@
             <a:effectLst/>
             <a:extLst>
               <a:ext uri="{AF507438-7753-43E0-B8FC-AC1667EBCBE1}">
-                <a14:hiddenEffects xmlns:a14="http://schemas.microsoft.com/office/drawing/2010/main">
+                <a14:hiddenEffects xmlns:a14="http://schemas.microsoft.com/office/drawing/2010/main" xmlns="">
                   <a:effectLst>
                     <a:outerShdw dist="35921" dir="2700000" algn="ctr" rotWithShape="0">
                       <a:schemeClr val="bg2"/>
@@ -9658,7 +9893,7 @@
             <a:effectLst/>
             <a:extLst>
               <a:ext uri="{AF507438-7753-43E0-B8FC-AC1667EBCBE1}">
-                <a14:hiddenEffects xmlns:a14="http://schemas.microsoft.com/office/drawing/2010/main">
+                <a14:hiddenEffects xmlns:a14="http://schemas.microsoft.com/office/drawing/2010/main" xmlns="">
                   <a:effectLst>
                     <a:outerShdw dist="35921" dir="2700000" algn="ctr" rotWithShape="0">
                       <a:schemeClr val="bg2"/>
@@ -10032,7 +10267,7 @@
           <p:nvPr/>
         </p:nvPicPr>
         <p:blipFill>
-          <a:blip r:embed="rId3"/>
+          <a:blip r:embed="rId3" cstate="print"/>
           <a:stretch>
             <a:fillRect/>
           </a:stretch>
@@ -10079,7 +10314,7 @@
           <a:effectLst/>
           <a:extLst>
             <a:ext uri="{AF507438-7753-43E0-B8FC-AC1667EBCBE1}">
-              <a14:hiddenEffects xmlns:a14="http://schemas.microsoft.com/office/drawing/2010/main">
+              <a14:hiddenEffects xmlns:a14="http://schemas.microsoft.com/office/drawing/2010/main" xmlns="">
                 <a:effectLst>
                   <a:outerShdw dist="35921" dir="2700000" algn="ctr" rotWithShape="0">
                     <a:schemeClr val="bg2"/>
@@ -10170,7 +10405,7 @@
           <a:effectLst/>
           <a:extLst>
             <a:ext uri="{AF507438-7753-43E0-B8FC-AC1667EBCBE1}">
-              <a14:hiddenEffects xmlns:a14="http://schemas.microsoft.com/office/drawing/2010/main">
+              <a14:hiddenEffects xmlns:a14="http://schemas.microsoft.com/office/drawing/2010/main" xmlns="">
                 <a:effectLst>
                   <a:outerShdw dist="35921" dir="2700000" algn="ctr" rotWithShape="0">
                     <a:schemeClr val="bg2"/>
@@ -10258,7 +10493,7 @@
           <a:effectLst/>
           <a:extLst>
             <a:ext uri="{AF507438-7753-43E0-B8FC-AC1667EBCBE1}">
-              <a14:hiddenEffects xmlns:a14="http://schemas.microsoft.com/office/drawing/2010/main">
+              <a14:hiddenEffects xmlns:a14="http://schemas.microsoft.com/office/drawing/2010/main" xmlns="">
                 <a:effectLst>
                   <a:outerShdw dist="35921" dir="2700000" algn="ctr" rotWithShape="0">
                     <a:schemeClr val="bg2"/>
@@ -10347,7 +10582,7 @@
           <a:effectLst/>
           <a:extLst>
             <a:ext uri="{AF507438-7753-43E0-B8FC-AC1667EBCBE1}">
-              <a14:hiddenEffects xmlns:a14="http://schemas.microsoft.com/office/drawing/2010/main">
+              <a14:hiddenEffects xmlns:a14="http://schemas.microsoft.com/office/drawing/2010/main" xmlns="">
                 <a:effectLst>
                   <a:outerShdw dist="35921" dir="2700000" algn="ctr" rotWithShape="0">
                     <a:schemeClr val="bg2"/>
@@ -10796,10 +11031,148 @@
           </a:p>
         </p:txBody>
       </p:sp>
+      <p:sp>
+        <p:nvSpPr>
+          <p:cNvPr id="25" name="직사각형 24"/>
+          <p:cNvSpPr/>
+          <p:nvPr/>
+        </p:nvSpPr>
+        <p:spPr bwMode="auto">
+          <a:xfrm>
+            <a:off x="5580112" y="692696"/>
+            <a:ext cx="4032448" cy="2088232"/>
+          </a:xfrm>
+          <a:prstGeom prst="rect">
+            <a:avLst/>
+          </a:prstGeom>
+          <a:solidFill>
+            <a:schemeClr val="accent1"/>
+          </a:solidFill>
+          <a:ln w="9525" cap="flat" cmpd="sng" algn="ctr">
+            <a:solidFill>
+              <a:schemeClr val="tx1"/>
+            </a:solidFill>
+            <a:prstDash val="solid"/>
+            <a:round/>
+            <a:headEnd type="none" w="med" len="med"/>
+            <a:tailEnd type="none" w="med" len="med"/>
+          </a:ln>
+          <a:effectLst/>
+          <a:extLst>
+            <a:ext uri="{AF507438-7753-43E0-B8FC-AC1667EBCBE1}">
+              <a14:hiddenEffects xmlns:a14="http://schemas.microsoft.com/office/drawing/2010/main" xmlns="">
+                <a:effectLst>
+                  <a:outerShdw dist="35921" dir="2700000" algn="ctr" rotWithShape="0">
+                    <a:schemeClr val="bg2"/>
+                  </a:outerShdw>
+                </a:effectLst>
+              </a14:hiddenEffects>
+            </a:ext>
+          </a:extLst>
+        </p:spPr>
+        <p:txBody>
+          <a:bodyPr vert="horz" wrap="none" lIns="91440" tIns="45720" rIns="91440" bIns="45720" numCol="1" rtlCol="0" anchor="ctr" anchorCtr="0" compatLnSpc="1">
+            <a:prstTxWarp prst="textNoShape">
+              <a:avLst/>
+            </a:prstTxWarp>
+          </a:bodyPr>
+          <a:lstStyle/>
+          <a:p>
+            <a:pPr marL="742950" marR="0" indent="-742950" algn="ctr" defTabSz="914400" rtl="0" eaLnBrk="0" fontAlgn="base" latinLnBrk="0" hangingPunct="0">
+              <a:lnSpc>
+                <a:spcPct val="100000"/>
+              </a:lnSpc>
+              <a:spcBef>
+                <a:spcPct val="0"/>
+              </a:spcBef>
+              <a:spcAft>
+                <a:spcPct val="0"/>
+              </a:spcAft>
+              <a:buClrTx/>
+              <a:buSzTx/>
+              <a:buFontTx/>
+              <a:buAutoNum type="arabicPeriod"/>
+              <a:tabLst/>
+            </a:pPr>
+            <a:r>
+              <a:rPr lang="ko-KR" altLang="en-US" sz="3600" dirty="0" smtClean="0"/>
+              <a:t>완료 </a:t>
+            </a:r>
+            <a:endParaRPr lang="en-US" altLang="ko-KR" sz="3600" dirty="0" smtClean="0"/>
+          </a:p>
+          <a:p>
+            <a:pPr marL="742950" marR="0" indent="-742950" algn="ctr" defTabSz="914400" rtl="0" eaLnBrk="0" fontAlgn="base" latinLnBrk="0" hangingPunct="0">
+              <a:lnSpc>
+                <a:spcPct val="100000"/>
+              </a:lnSpc>
+              <a:spcBef>
+                <a:spcPct val="0"/>
+              </a:spcBef>
+              <a:spcAft>
+                <a:spcPct val="0"/>
+              </a:spcAft>
+              <a:buClrTx/>
+              <a:buSzTx/>
+              <a:buFontTx/>
+              <a:buAutoNum type="arabicPeriod"/>
+              <a:tabLst/>
+            </a:pPr>
+            <a:r>
+              <a:rPr lang="ko-KR" altLang="en-US" sz="3600" dirty="0" err="1" smtClean="0"/>
+              <a:t>간격재문의</a:t>
+            </a:r>
+            <a:endParaRPr lang="en-US" altLang="ko-KR" sz="3600" dirty="0" smtClean="0"/>
+          </a:p>
+          <a:p>
+            <a:pPr marL="742950" marR="0" indent="-742950" algn="ctr" defTabSz="914400" rtl="0" eaLnBrk="0" fontAlgn="base" latinLnBrk="0" hangingPunct="0">
+              <a:lnSpc>
+                <a:spcPct val="100000"/>
+              </a:lnSpc>
+              <a:spcBef>
+                <a:spcPct val="0"/>
+              </a:spcBef>
+              <a:spcAft>
+                <a:spcPct val="0"/>
+              </a:spcAft>
+              <a:buClrTx/>
+              <a:buSzTx/>
+              <a:buFontTx/>
+              <a:buAutoNum type="arabicPeriod"/>
+              <a:tabLst/>
+            </a:pPr>
+            <a:r>
+              <a:rPr kumimoji="0" lang="ko-KR" altLang="en-US" sz="3600" b="0" i="0" u="none" strike="noStrike" cap="none" normalizeH="0" baseline="0" dirty="0" smtClean="0">
+                <a:ln>
+                  <a:noFill/>
+                </a:ln>
+                <a:solidFill>
+                  <a:schemeClr val="tx1"/>
+                </a:solidFill>
+                <a:effectLst/>
+                <a:latin typeface="Arial" charset="0"/>
+              </a:rPr>
+              <a:t>완</a:t>
+            </a:r>
+            <a:r>
+              <a:rPr kumimoji="0" lang="ko-KR" altLang="en-US" sz="3600" b="0" i="0" u="none" strike="noStrike" cap="none" normalizeH="0" baseline="0" dirty="0" smtClean="0">
+                <a:ln>
+                  <a:noFill/>
+                </a:ln>
+                <a:solidFill>
+                  <a:schemeClr val="tx1"/>
+                </a:solidFill>
+                <a:effectLst/>
+                <a:latin typeface="Arial" charset="0"/>
+              </a:rPr>
+              <a:t>료</a:t>
+            </a:r>
+          </a:p>
+        </p:txBody>
+      </p:sp>
     </p:spTree>
     <p:extLst>
       <p:ext uri="{BB962C8B-B14F-4D97-AF65-F5344CB8AC3E}">
-        <p14:creationId xmlns:p14="http://schemas.microsoft.com/office/powerpoint/2010/main" val="886786329"/>
+        <p14:creationId xmlns:p14="http://schemas.microsoft.com/office/powerpoint/2010/main" xmlns="" val="886786329"/>
       </p:ext>
     </p:extLst>
   </p:cSld>
@@ -11071,7 +11444,7 @@
             <a:effectLst/>
             <a:extLst>
               <a:ext uri="{AF507438-7753-43E0-B8FC-AC1667EBCBE1}">
-                <a14:hiddenEffects xmlns:a14="http://schemas.microsoft.com/office/drawing/2010/main">
+                <a14:hiddenEffects xmlns:a14="http://schemas.microsoft.com/office/drawing/2010/main" xmlns="">
                   <a:effectLst>
                     <a:outerShdw dist="35921" dir="2700000" algn="ctr" rotWithShape="0">
                       <a:schemeClr val="bg2"/>
@@ -11111,7 +11484,7 @@
             <a:effectLst/>
             <a:extLst>
               <a:ext uri="{AF507438-7753-43E0-B8FC-AC1667EBCBE1}">
-                <a14:hiddenEffects xmlns:a14="http://schemas.microsoft.com/office/drawing/2010/main">
+                <a14:hiddenEffects xmlns:a14="http://schemas.microsoft.com/office/drawing/2010/main" xmlns="">
                   <a:effectLst>
                     <a:outerShdw dist="35921" dir="2700000" algn="ctr" rotWithShape="0">
                       <a:schemeClr val="bg2"/>
@@ -11151,7 +11524,7 @@
             <a:effectLst/>
             <a:extLst>
               <a:ext uri="{AF507438-7753-43E0-B8FC-AC1667EBCBE1}">
-                <a14:hiddenEffects xmlns:a14="http://schemas.microsoft.com/office/drawing/2010/main">
+                <a14:hiddenEffects xmlns:a14="http://schemas.microsoft.com/office/drawing/2010/main" xmlns="">
                   <a:effectLst>
                     <a:outerShdw dist="35921" dir="2700000" algn="ctr" rotWithShape="0">
                       <a:schemeClr val="bg2"/>
@@ -11194,7 +11567,7 @@
             <a:effectLst/>
             <a:extLst>
               <a:ext uri="{AF507438-7753-43E0-B8FC-AC1667EBCBE1}">
-                <a14:hiddenEffects xmlns:a14="http://schemas.microsoft.com/office/drawing/2010/main">
+                <a14:hiddenEffects xmlns:a14="http://schemas.microsoft.com/office/drawing/2010/main" xmlns="">
                   <a:effectLst>
                     <a:outerShdw dist="35921" dir="2700000" algn="ctr" rotWithShape="0">
                       <a:schemeClr val="bg2"/>
@@ -11442,7 +11815,7 @@
           <p:nvPr/>
         </p:nvPicPr>
         <p:blipFill>
-          <a:blip r:embed="rId3"/>
+          <a:blip r:embed="rId3" cstate="print"/>
           <a:stretch>
             <a:fillRect/>
           </a:stretch>
@@ -11486,7 +11859,7 @@
           <a:effectLst/>
           <a:extLst>
             <a:ext uri="{AF507438-7753-43E0-B8FC-AC1667EBCBE1}">
-              <a14:hiddenEffects xmlns:a14="http://schemas.microsoft.com/office/drawing/2010/main">
+              <a14:hiddenEffects xmlns:a14="http://schemas.microsoft.com/office/drawing/2010/main" xmlns="">
                 <a:effectLst>
                   <a:outerShdw dist="35921" dir="2700000" algn="ctr" rotWithShape="0">
                     <a:schemeClr val="bg2"/>
@@ -11836,7 +12209,7 @@
           <a:effectLst/>
           <a:extLst>
             <a:ext uri="{AF507438-7753-43E0-B8FC-AC1667EBCBE1}">
-              <a14:hiddenEffects xmlns:a14="http://schemas.microsoft.com/office/drawing/2010/main">
+              <a14:hiddenEffects xmlns:a14="http://schemas.microsoft.com/office/drawing/2010/main" xmlns="">
                 <a:effectLst>
                   <a:outerShdw dist="35921" dir="2700000" algn="ctr" rotWithShape="0">
                     <a:schemeClr val="bg2"/>
@@ -12132,10 +12505,128 @@
           </a:p>
         </p:txBody>
       </p:sp>
+      <p:sp>
+        <p:nvSpPr>
+          <p:cNvPr id="22" name="직사각형 21"/>
+          <p:cNvSpPr/>
+          <p:nvPr/>
+        </p:nvSpPr>
+        <p:spPr bwMode="auto">
+          <a:xfrm>
+            <a:off x="5580112" y="692696"/>
+            <a:ext cx="4032448" cy="2088232"/>
+          </a:xfrm>
+          <a:prstGeom prst="rect">
+            <a:avLst/>
+          </a:prstGeom>
+          <a:solidFill>
+            <a:schemeClr val="accent1"/>
+          </a:solidFill>
+          <a:ln w="9525" cap="flat" cmpd="sng" algn="ctr">
+            <a:solidFill>
+              <a:schemeClr val="tx1"/>
+            </a:solidFill>
+            <a:prstDash val="solid"/>
+            <a:round/>
+            <a:headEnd type="none" w="med" len="med"/>
+            <a:tailEnd type="none" w="med" len="med"/>
+          </a:ln>
+          <a:effectLst/>
+          <a:extLst>
+            <a:ext uri="{AF507438-7753-43E0-B8FC-AC1667EBCBE1}">
+              <a14:hiddenEffects xmlns:a14="http://schemas.microsoft.com/office/drawing/2010/main" xmlns="">
+                <a:effectLst>
+                  <a:outerShdw dist="35921" dir="2700000" algn="ctr" rotWithShape="0">
+                    <a:schemeClr val="bg2"/>
+                  </a:outerShdw>
+                </a:effectLst>
+              </a14:hiddenEffects>
+            </a:ext>
+          </a:extLst>
+        </p:spPr>
+        <p:txBody>
+          <a:bodyPr vert="horz" wrap="none" lIns="91440" tIns="45720" rIns="91440" bIns="45720" numCol="1" rtlCol="0" anchor="ctr" anchorCtr="0" compatLnSpc="1">
+            <a:prstTxWarp prst="textNoShape">
+              <a:avLst/>
+            </a:prstTxWarp>
+          </a:bodyPr>
+          <a:lstStyle/>
+          <a:p>
+            <a:pPr marL="742950" marR="0" indent="-742950" algn="ctr" defTabSz="914400" rtl="0" eaLnBrk="0" fontAlgn="base" latinLnBrk="0" hangingPunct="0">
+              <a:lnSpc>
+                <a:spcPct val="100000"/>
+              </a:lnSpc>
+              <a:spcBef>
+                <a:spcPct val="0"/>
+              </a:spcBef>
+              <a:spcAft>
+                <a:spcPct val="0"/>
+              </a:spcAft>
+              <a:buClrTx/>
+              <a:buSzTx/>
+              <a:buFontTx/>
+              <a:buAutoNum type="arabicPeriod"/>
+              <a:tabLst/>
+            </a:pPr>
+            <a:r>
+              <a:rPr lang="ko-KR" altLang="en-US" sz="3600" dirty="0" smtClean="0"/>
+              <a:t>완료 </a:t>
+            </a:r>
+            <a:endParaRPr lang="en-US" altLang="ko-KR" sz="3600" dirty="0" smtClean="0"/>
+          </a:p>
+          <a:p>
+            <a:pPr marL="742950" marR="0" indent="-742950" algn="ctr" defTabSz="914400" rtl="0" eaLnBrk="0" fontAlgn="base" latinLnBrk="0" hangingPunct="0">
+              <a:lnSpc>
+                <a:spcPct val="100000"/>
+              </a:lnSpc>
+              <a:spcBef>
+                <a:spcPct val="0"/>
+              </a:spcBef>
+              <a:spcAft>
+                <a:spcPct val="0"/>
+              </a:spcAft>
+              <a:buClrTx/>
+              <a:buSzTx/>
+              <a:buFontTx/>
+              <a:buAutoNum type="arabicPeriod"/>
+              <a:tabLst/>
+            </a:pPr>
+            <a:r>
+              <a:rPr lang="ko-KR" altLang="en-US" sz="3600" dirty="0" smtClean="0"/>
+              <a:t>삭제버튼완료 </a:t>
+            </a:r>
+            <a:r>
+              <a:rPr lang="en-US" altLang="ko-KR" sz="3600" dirty="0" smtClean="0"/>
+              <a:t>&amp;</a:t>
+            </a:r>
+          </a:p>
+          <a:p>
+            <a:pPr marL="742950" marR="0" indent="-742950" algn="ctr" defTabSz="914400" rtl="0" eaLnBrk="0" fontAlgn="base" latinLnBrk="0" hangingPunct="0">
+              <a:lnSpc>
+                <a:spcPct val="100000"/>
+              </a:lnSpc>
+              <a:spcBef>
+                <a:spcPct val="0"/>
+              </a:spcBef>
+              <a:spcAft>
+                <a:spcPct val="0"/>
+              </a:spcAft>
+              <a:buClrTx/>
+              <a:buSzTx/>
+              <a:tabLst/>
+            </a:pPr>
+            <a:r>
+              <a:rPr lang="ko-KR" altLang="en-US" sz="3600" dirty="0" err="1" smtClean="0"/>
+              <a:t>간격재문의</a:t>
+            </a:r>
+            <a:endParaRPr lang="en-US" altLang="ko-KR" sz="3600" dirty="0" smtClean="0"/>
+          </a:p>
+        </p:txBody>
+      </p:sp>
     </p:spTree>
     <p:extLst>
       <p:ext uri="{BB962C8B-B14F-4D97-AF65-F5344CB8AC3E}">
-        <p14:creationId xmlns:p14="http://schemas.microsoft.com/office/powerpoint/2010/main" val="1112426373"/>
+        <p14:creationId xmlns:p14="http://schemas.microsoft.com/office/powerpoint/2010/main" xmlns="" val="1112426373"/>
       </p:ext>
     </p:extLst>
   </p:cSld>
@@ -12407,7 +12898,7 @@
             <a:effectLst/>
             <a:extLst>
               <a:ext uri="{AF507438-7753-43E0-B8FC-AC1667EBCBE1}">
-                <a14:hiddenEffects xmlns:a14="http://schemas.microsoft.com/office/drawing/2010/main">
+                <a14:hiddenEffects xmlns:a14="http://schemas.microsoft.com/office/drawing/2010/main" xmlns="">
                   <a:effectLst>
                     <a:outerShdw dist="35921" dir="2700000" algn="ctr" rotWithShape="0">
                       <a:schemeClr val="bg2"/>
@@ -12447,7 +12938,7 @@
             <a:effectLst/>
             <a:extLst>
               <a:ext uri="{AF507438-7753-43E0-B8FC-AC1667EBCBE1}">
-                <a14:hiddenEffects xmlns:a14="http://schemas.microsoft.com/office/drawing/2010/main">
+                <a14:hiddenEffects xmlns:a14="http://schemas.microsoft.com/office/drawing/2010/main" xmlns="">
                   <a:effectLst>
                     <a:outerShdw dist="35921" dir="2700000" algn="ctr" rotWithShape="0">
                       <a:schemeClr val="bg2"/>
@@ -12487,7 +12978,7 @@
             <a:effectLst/>
             <a:extLst>
               <a:ext uri="{AF507438-7753-43E0-B8FC-AC1667EBCBE1}">
-                <a14:hiddenEffects xmlns:a14="http://schemas.microsoft.com/office/drawing/2010/main">
+                <a14:hiddenEffects xmlns:a14="http://schemas.microsoft.com/office/drawing/2010/main" xmlns="">
                   <a:effectLst>
                     <a:outerShdw dist="35921" dir="2700000" algn="ctr" rotWithShape="0">
                       <a:schemeClr val="bg2"/>
@@ -12530,7 +13021,7 @@
             <a:effectLst/>
             <a:extLst>
               <a:ext uri="{AF507438-7753-43E0-B8FC-AC1667EBCBE1}">
-                <a14:hiddenEffects xmlns:a14="http://schemas.microsoft.com/office/drawing/2010/main">
+                <a14:hiddenEffects xmlns:a14="http://schemas.microsoft.com/office/drawing/2010/main" xmlns="">
                   <a:effectLst>
                     <a:outerShdw dist="35921" dir="2700000" algn="ctr" rotWithShape="0">
                       <a:schemeClr val="bg2"/>
@@ -12826,11 +13317,7 @@
             </a:r>
             <a:r>
               <a:rPr lang="ko-KR" altLang="en-US" sz="1200" dirty="0" smtClean="0"/>
-              <a:t>버튼 동일한 위치에 </a:t>
-            </a:r>
-            <a:r>
-              <a:rPr lang="ko-KR" altLang="en-US" sz="1200" dirty="0" smtClean="0"/>
-              <a:t>배치</a:t>
+              <a:t>버튼 동일한 위치에 배치</a:t>
             </a:r>
             <a:r>
               <a:rPr lang="en-US" altLang="ko-KR" sz="1200" dirty="0" smtClean="0"/>
@@ -12844,7 +13331,6 @@
               <a:rPr lang="en-US" altLang="ko-KR" sz="1200" dirty="0" smtClean="0"/>
               <a:t>)</a:t>
             </a:r>
-            <a:endParaRPr lang="en-US" altLang="ko-KR" sz="1200" dirty="0" smtClean="0"/>
           </a:p>
           <a:p>
             <a:pPr marL="228600" indent="-228600">
@@ -12926,7 +13412,7 @@
           <p:nvPr/>
         </p:nvPicPr>
         <p:blipFill>
-          <a:blip r:embed="rId3"/>
+          <a:blip r:embed="rId3" cstate="print"/>
           <a:stretch>
             <a:fillRect/>
           </a:stretch>
@@ -13037,7 +13523,7 @@
           <a:effectLst/>
           <a:extLst>
             <a:ext uri="{AF507438-7753-43E0-B8FC-AC1667EBCBE1}">
-              <a14:hiddenEffects xmlns:a14="http://schemas.microsoft.com/office/drawing/2010/main">
+              <a14:hiddenEffects xmlns:a14="http://schemas.microsoft.com/office/drawing/2010/main" xmlns="">
                 <a:effectLst>
                   <a:outerShdw dist="35921" dir="2700000" algn="ctr" rotWithShape="0">
                     <a:schemeClr val="bg2"/>
@@ -13219,7 +13705,7 @@
           <a:effectLst/>
           <a:extLst>
             <a:ext uri="{AF507438-7753-43E0-B8FC-AC1667EBCBE1}">
-              <a14:hiddenEffects xmlns:a14="http://schemas.microsoft.com/office/drawing/2010/main">
+              <a14:hiddenEffects xmlns:a14="http://schemas.microsoft.com/office/drawing/2010/main" xmlns="">
                 <a:effectLst>
                   <a:outerShdw dist="35921" dir="2700000" algn="ctr" rotWithShape="0">
                     <a:schemeClr val="bg2"/>
@@ -13334,7 +13820,7 @@
           <a:effectLst/>
           <a:extLst>
             <a:ext uri="{AF507438-7753-43E0-B8FC-AC1667EBCBE1}">
-              <a14:hiddenEffects xmlns:a14="http://schemas.microsoft.com/office/drawing/2010/main">
+              <a14:hiddenEffects xmlns:a14="http://schemas.microsoft.com/office/drawing/2010/main" xmlns="">
                 <a:effectLst>
                   <a:outerShdw dist="35921" dir="2700000" algn="ctr" rotWithShape="0">
                     <a:schemeClr val="bg2"/>
@@ -13423,7 +13909,7 @@
           <a:effectLst/>
           <a:extLst>
             <a:ext uri="{AF507438-7753-43E0-B8FC-AC1667EBCBE1}">
-              <a14:hiddenEffects xmlns:a14="http://schemas.microsoft.com/office/drawing/2010/main">
+              <a14:hiddenEffects xmlns:a14="http://schemas.microsoft.com/office/drawing/2010/main" xmlns="">
                 <a:effectLst>
                   <a:outerShdw dist="35921" dir="2700000" algn="ctr" rotWithShape="0">
                     <a:schemeClr val="bg2"/>
@@ -13808,10 +14294,134 @@
           </a:p>
         </p:txBody>
       </p:sp>
+      <p:sp>
+        <p:nvSpPr>
+          <p:cNvPr id="27" name="직사각형 26"/>
+          <p:cNvSpPr/>
+          <p:nvPr/>
+        </p:nvSpPr>
+        <p:spPr bwMode="auto">
+          <a:xfrm>
+            <a:off x="5580112" y="692696"/>
+            <a:ext cx="4032448" cy="2088232"/>
+          </a:xfrm>
+          <a:prstGeom prst="rect">
+            <a:avLst/>
+          </a:prstGeom>
+          <a:solidFill>
+            <a:schemeClr val="accent1"/>
+          </a:solidFill>
+          <a:ln w="9525" cap="flat" cmpd="sng" algn="ctr">
+            <a:solidFill>
+              <a:schemeClr val="tx1"/>
+            </a:solidFill>
+            <a:prstDash val="solid"/>
+            <a:round/>
+            <a:headEnd type="none" w="med" len="med"/>
+            <a:tailEnd type="none" w="med" len="med"/>
+          </a:ln>
+          <a:effectLst/>
+          <a:extLst>
+            <a:ext uri="{AF507438-7753-43E0-B8FC-AC1667EBCBE1}">
+              <a14:hiddenEffects xmlns:a14="http://schemas.microsoft.com/office/drawing/2010/main" xmlns="">
+                <a:effectLst>
+                  <a:outerShdw dist="35921" dir="2700000" algn="ctr" rotWithShape="0">
+                    <a:schemeClr val="bg2"/>
+                  </a:outerShdw>
+                </a:effectLst>
+              </a14:hiddenEffects>
+            </a:ext>
+          </a:extLst>
+        </p:spPr>
+        <p:txBody>
+          <a:bodyPr vert="horz" wrap="none" lIns="91440" tIns="45720" rIns="91440" bIns="45720" numCol="1" rtlCol="0" anchor="ctr" anchorCtr="0" compatLnSpc="1">
+            <a:prstTxWarp prst="textNoShape">
+              <a:avLst/>
+            </a:prstTxWarp>
+          </a:bodyPr>
+          <a:lstStyle/>
+          <a:p>
+            <a:pPr marL="742950" marR="0" indent="-742950" algn="ctr" defTabSz="914400" rtl="0" eaLnBrk="0" fontAlgn="base" latinLnBrk="0" hangingPunct="0">
+              <a:lnSpc>
+                <a:spcPct val="100000"/>
+              </a:lnSpc>
+              <a:spcBef>
+                <a:spcPct val="0"/>
+              </a:spcBef>
+              <a:spcAft>
+                <a:spcPct val="0"/>
+              </a:spcAft>
+              <a:buClrTx/>
+              <a:buSzTx/>
+              <a:buFontTx/>
+              <a:buAutoNum type="arabicPeriod"/>
+              <a:tabLst/>
+            </a:pPr>
+            <a:r>
+              <a:rPr lang="ko-KR" altLang="en-US" sz="3600" dirty="0" smtClean="0"/>
+              <a:t>완료 </a:t>
+            </a:r>
+            <a:endParaRPr lang="en-US" altLang="ko-KR" sz="3600" dirty="0" smtClean="0"/>
+          </a:p>
+          <a:p>
+            <a:pPr marL="742950" marR="0" indent="-742950" algn="ctr" defTabSz="914400" rtl="0" eaLnBrk="0" fontAlgn="base" latinLnBrk="0" hangingPunct="0">
+              <a:lnSpc>
+                <a:spcPct val="100000"/>
+              </a:lnSpc>
+              <a:spcBef>
+                <a:spcPct val="0"/>
+              </a:spcBef>
+              <a:spcAft>
+                <a:spcPct val="0"/>
+              </a:spcAft>
+              <a:buClrTx/>
+              <a:buSzTx/>
+              <a:tabLst/>
+            </a:pPr>
+            <a:r>
+              <a:rPr lang="en-US" altLang="ko-KR" sz="3600" dirty="0" smtClean="0"/>
+              <a:t>2. </a:t>
+            </a:r>
+            <a:r>
+              <a:rPr lang="ko-KR" altLang="en-US" sz="3600" dirty="0" err="1" smtClean="0"/>
+              <a:t>간격재문의</a:t>
+            </a:r>
+            <a:endParaRPr lang="en-US" altLang="ko-KR" sz="3600" dirty="0" smtClean="0"/>
+          </a:p>
+          <a:p>
+            <a:pPr marL="742950" marR="0" indent="-742950" algn="ctr" defTabSz="914400" rtl="0" eaLnBrk="0" fontAlgn="base" latinLnBrk="0" hangingPunct="0">
+              <a:lnSpc>
+                <a:spcPct val="100000"/>
+              </a:lnSpc>
+              <a:spcBef>
+                <a:spcPct val="0"/>
+              </a:spcBef>
+              <a:spcAft>
+                <a:spcPct val="0"/>
+              </a:spcAft>
+              <a:buClrTx/>
+              <a:buSzTx/>
+              <a:tabLst/>
+            </a:pPr>
+            <a:r>
+              <a:rPr lang="en-US" altLang="ko-KR" sz="3600" dirty="0" smtClean="0"/>
+              <a:t>(</a:t>
+            </a:r>
+            <a:r>
+              <a:rPr lang="ko-KR" altLang="en-US" sz="3600" dirty="0" smtClean="0"/>
+              <a:t>외의 요청내용완료</a:t>
+            </a:r>
+            <a:r>
+              <a:rPr lang="en-US" altLang="ko-KR" sz="3600" dirty="0" smtClean="0"/>
+              <a:t>)</a:t>
+            </a:r>
+          </a:p>
+        </p:txBody>
+      </p:sp>
     </p:spTree>
     <p:extLst>
       <p:ext uri="{BB962C8B-B14F-4D97-AF65-F5344CB8AC3E}">
-        <p14:creationId xmlns:p14="http://schemas.microsoft.com/office/powerpoint/2010/main" val="2694245581"/>
+        <p14:creationId xmlns:p14="http://schemas.microsoft.com/office/powerpoint/2010/main" xmlns="" val="2694245581"/>
       </p:ext>
     </p:extLst>
   </p:cSld>
@@ -14083,7 +14693,7 @@
             <a:effectLst/>
             <a:extLst>
               <a:ext uri="{AF507438-7753-43E0-B8FC-AC1667EBCBE1}">
-                <a14:hiddenEffects xmlns:a14="http://schemas.microsoft.com/office/drawing/2010/main">
+                <a14:hiddenEffects xmlns:a14="http://schemas.microsoft.com/office/drawing/2010/main" xmlns="">
                   <a:effectLst>
                     <a:outerShdw dist="35921" dir="2700000" algn="ctr" rotWithShape="0">
                       <a:schemeClr val="bg2"/>
@@ -14123,7 +14733,7 @@
             <a:effectLst/>
             <a:extLst>
               <a:ext uri="{AF507438-7753-43E0-B8FC-AC1667EBCBE1}">
-                <a14:hiddenEffects xmlns:a14="http://schemas.microsoft.com/office/drawing/2010/main">
+                <a14:hiddenEffects xmlns:a14="http://schemas.microsoft.com/office/drawing/2010/main" xmlns="">
                   <a:effectLst>
                     <a:outerShdw dist="35921" dir="2700000" algn="ctr" rotWithShape="0">
                       <a:schemeClr val="bg2"/>
@@ -14163,7 +14773,7 @@
             <a:effectLst/>
             <a:extLst>
               <a:ext uri="{AF507438-7753-43E0-B8FC-AC1667EBCBE1}">
-                <a14:hiddenEffects xmlns:a14="http://schemas.microsoft.com/office/drawing/2010/main">
+                <a14:hiddenEffects xmlns:a14="http://schemas.microsoft.com/office/drawing/2010/main" xmlns="">
                   <a:effectLst>
                     <a:outerShdw dist="35921" dir="2700000" algn="ctr" rotWithShape="0">
                       <a:schemeClr val="bg2"/>
@@ -14206,7 +14816,7 @@
             <a:effectLst/>
             <a:extLst>
               <a:ext uri="{AF507438-7753-43E0-B8FC-AC1667EBCBE1}">
-                <a14:hiddenEffects xmlns:a14="http://schemas.microsoft.com/office/drawing/2010/main">
+                <a14:hiddenEffects xmlns:a14="http://schemas.microsoft.com/office/drawing/2010/main" xmlns="">
                   <a:effectLst>
                     <a:outerShdw dist="35921" dir="2700000" algn="ctr" rotWithShape="0">
                       <a:schemeClr val="bg2"/>
@@ -14556,7 +15166,7 @@
           <p:nvPr/>
         </p:nvPicPr>
         <p:blipFill>
-          <a:blip r:embed="rId3"/>
+          <a:blip r:embed="rId3" cstate="print"/>
           <a:stretch>
             <a:fillRect/>
           </a:stretch>
@@ -14603,7 +15213,7 @@
           <a:effectLst/>
           <a:extLst>
             <a:ext uri="{AF507438-7753-43E0-B8FC-AC1667EBCBE1}">
-              <a14:hiddenEffects xmlns:a14="http://schemas.microsoft.com/office/drawing/2010/main">
+              <a14:hiddenEffects xmlns:a14="http://schemas.microsoft.com/office/drawing/2010/main" xmlns="">
                 <a:effectLst>
                   <a:outerShdw dist="35921" dir="2700000" algn="ctr" rotWithShape="0">
                     <a:schemeClr val="bg2"/>
@@ -15068,7 +15678,7 @@
           <a:effectLst/>
           <a:extLst>
             <a:ext uri="{AF507438-7753-43E0-B8FC-AC1667EBCBE1}">
-              <a14:hiddenEffects xmlns:a14="http://schemas.microsoft.com/office/drawing/2010/main">
+              <a14:hiddenEffects xmlns:a14="http://schemas.microsoft.com/office/drawing/2010/main" xmlns="">
                 <a:effectLst>
                   <a:outerShdw dist="35921" dir="2700000" algn="ctr" rotWithShape="0">
                     <a:schemeClr val="bg2"/>
@@ -15199,7 +15809,7 @@
           <a:effectLst/>
           <a:extLst>
             <a:ext uri="{AF507438-7753-43E0-B8FC-AC1667EBCBE1}">
-              <a14:hiddenEffects xmlns:a14="http://schemas.microsoft.com/office/drawing/2010/main">
+              <a14:hiddenEffects xmlns:a14="http://schemas.microsoft.com/office/drawing/2010/main" xmlns="">
                 <a:effectLst>
                   <a:outerShdw dist="35921" dir="2700000" algn="ctr" rotWithShape="0">
                     <a:schemeClr val="bg2"/>
@@ -15403,7 +16013,7 @@
           <a:effectLst/>
           <a:extLst>
             <a:ext uri="{AF507438-7753-43E0-B8FC-AC1667EBCBE1}">
-              <a14:hiddenEffects xmlns:a14="http://schemas.microsoft.com/office/drawing/2010/main">
+              <a14:hiddenEffects xmlns:a14="http://schemas.microsoft.com/office/drawing/2010/main" xmlns="">
                 <a:effectLst>
                   <a:outerShdw dist="35921" dir="2700000" algn="ctr" rotWithShape="0">
                     <a:schemeClr val="bg2"/>
@@ -15505,7 +16115,7 @@
           <a:effectLst/>
           <a:extLst>
             <a:ext uri="{AF507438-7753-43E0-B8FC-AC1667EBCBE1}">
-              <a14:hiddenEffects xmlns:a14="http://schemas.microsoft.com/office/drawing/2010/main">
+              <a14:hiddenEffects xmlns:a14="http://schemas.microsoft.com/office/drawing/2010/main" xmlns="">
                 <a:effectLst>
                   <a:outerShdw dist="35921" dir="2700000" algn="ctr" rotWithShape="0">
                     <a:schemeClr val="bg2"/>
@@ -15594,7 +16204,7 @@
           <a:effectLst/>
           <a:extLst>
             <a:ext uri="{AF507438-7753-43E0-B8FC-AC1667EBCBE1}">
-              <a14:hiddenEffects xmlns:a14="http://schemas.microsoft.com/office/drawing/2010/main">
+              <a14:hiddenEffects xmlns:a14="http://schemas.microsoft.com/office/drawing/2010/main" xmlns="">
                 <a:effectLst>
                   <a:outerShdw dist="35921" dir="2700000" algn="ctr" rotWithShape="0">
                     <a:schemeClr val="bg2"/>
@@ -15683,7 +16293,7 @@
           <a:effectLst/>
           <a:extLst>
             <a:ext uri="{AF507438-7753-43E0-B8FC-AC1667EBCBE1}">
-              <a14:hiddenEffects xmlns:a14="http://schemas.microsoft.com/office/drawing/2010/main">
+              <a14:hiddenEffects xmlns:a14="http://schemas.microsoft.com/office/drawing/2010/main" xmlns="">
                 <a:effectLst>
                   <a:outerShdw dist="35921" dir="2700000" algn="ctr" rotWithShape="0">
                     <a:schemeClr val="bg2"/>
@@ -15743,10 +16353,79 @@
           </a:p>
         </p:txBody>
       </p:sp>
+      <p:sp>
+        <p:nvSpPr>
+          <p:cNvPr id="28" name="직사각형 27"/>
+          <p:cNvSpPr/>
+          <p:nvPr/>
+        </p:nvSpPr>
+        <p:spPr bwMode="auto">
+          <a:xfrm>
+            <a:off x="5580112" y="692696"/>
+            <a:ext cx="4032448" cy="2088232"/>
+          </a:xfrm>
+          <a:prstGeom prst="rect">
+            <a:avLst/>
+          </a:prstGeom>
+          <a:solidFill>
+            <a:schemeClr val="accent1"/>
+          </a:solidFill>
+          <a:ln w="9525" cap="flat" cmpd="sng" algn="ctr">
+            <a:solidFill>
+              <a:schemeClr val="tx1"/>
+            </a:solidFill>
+            <a:prstDash val="solid"/>
+            <a:round/>
+            <a:headEnd type="none" w="med" len="med"/>
+            <a:tailEnd type="none" w="med" len="med"/>
+          </a:ln>
+          <a:effectLst/>
+          <a:extLst>
+            <a:ext uri="{AF507438-7753-43E0-B8FC-AC1667EBCBE1}">
+              <a14:hiddenEffects xmlns:a14="http://schemas.microsoft.com/office/drawing/2010/main" xmlns="">
+                <a:effectLst>
+                  <a:outerShdw dist="35921" dir="2700000" algn="ctr" rotWithShape="0">
+                    <a:schemeClr val="bg2"/>
+                  </a:outerShdw>
+                </a:effectLst>
+              </a14:hiddenEffects>
+            </a:ext>
+          </a:extLst>
+        </p:spPr>
+        <p:txBody>
+          <a:bodyPr vert="horz" wrap="none" lIns="91440" tIns="45720" rIns="91440" bIns="45720" numCol="1" rtlCol="0" anchor="ctr" anchorCtr="0" compatLnSpc="1">
+            <a:prstTxWarp prst="textNoShape">
+              <a:avLst/>
+            </a:prstTxWarp>
+          </a:bodyPr>
+          <a:lstStyle/>
+          <a:p>
+            <a:pPr marL="742950" marR="0" indent="-742950" algn="ctr" defTabSz="914400" rtl="0" eaLnBrk="0" fontAlgn="base" latinLnBrk="0" hangingPunct="0">
+              <a:lnSpc>
+                <a:spcPct val="100000"/>
+              </a:lnSpc>
+              <a:spcBef>
+                <a:spcPct val="0"/>
+              </a:spcBef>
+              <a:spcAft>
+                <a:spcPct val="0"/>
+              </a:spcAft>
+              <a:buClrTx/>
+              <a:buSzTx/>
+              <a:tabLst/>
+            </a:pPr>
+            <a:r>
+              <a:rPr lang="ko-KR" altLang="en-US" sz="3600" dirty="0" smtClean="0"/>
+              <a:t>완료 </a:t>
+            </a:r>
+            <a:endParaRPr lang="en-US" altLang="ko-KR" sz="3600" dirty="0" smtClean="0"/>
+          </a:p>
+        </p:txBody>
+      </p:sp>
     </p:spTree>
     <p:extLst>
       <p:ext uri="{BB962C8B-B14F-4D97-AF65-F5344CB8AC3E}">
-        <p14:creationId xmlns:p14="http://schemas.microsoft.com/office/powerpoint/2010/main" val="1023536265"/>
+        <p14:creationId xmlns:p14="http://schemas.microsoft.com/office/powerpoint/2010/main" xmlns="" val="1023536265"/>
       </p:ext>
     </p:extLst>
   </p:cSld>
@@ -16018,7 +16697,7 @@
             <a:effectLst/>
             <a:extLst>
               <a:ext uri="{AF507438-7753-43E0-B8FC-AC1667EBCBE1}">
-                <a14:hiddenEffects xmlns:a14="http://schemas.microsoft.com/office/drawing/2010/main">
+                <a14:hiddenEffects xmlns:a14="http://schemas.microsoft.com/office/drawing/2010/main" xmlns="">
                   <a:effectLst>
                     <a:outerShdw dist="35921" dir="2700000" algn="ctr" rotWithShape="0">
                       <a:schemeClr val="bg2"/>
@@ -16058,7 +16737,7 @@
             <a:effectLst/>
             <a:extLst>
               <a:ext uri="{AF507438-7753-43E0-B8FC-AC1667EBCBE1}">
-                <a14:hiddenEffects xmlns:a14="http://schemas.microsoft.com/office/drawing/2010/main">
+                <a14:hiddenEffects xmlns:a14="http://schemas.microsoft.com/office/drawing/2010/main" xmlns="">
                   <a:effectLst>
                     <a:outerShdw dist="35921" dir="2700000" algn="ctr" rotWithShape="0">
                       <a:schemeClr val="bg2"/>
@@ -16098,7 +16777,7 @@
             <a:effectLst/>
             <a:extLst>
               <a:ext uri="{AF507438-7753-43E0-B8FC-AC1667EBCBE1}">
-                <a14:hiddenEffects xmlns:a14="http://schemas.microsoft.com/office/drawing/2010/main">
+                <a14:hiddenEffects xmlns:a14="http://schemas.microsoft.com/office/drawing/2010/main" xmlns="">
                   <a:effectLst>
                     <a:outerShdw dist="35921" dir="2700000" algn="ctr" rotWithShape="0">
                       <a:schemeClr val="bg2"/>
@@ -16141,7 +16820,7 @@
             <a:effectLst/>
             <a:extLst>
               <a:ext uri="{AF507438-7753-43E0-B8FC-AC1667EBCBE1}">
-                <a14:hiddenEffects xmlns:a14="http://schemas.microsoft.com/office/drawing/2010/main">
+                <a14:hiddenEffects xmlns:a14="http://schemas.microsoft.com/office/drawing/2010/main" xmlns="">
                   <a:effectLst>
                     <a:outerShdw dist="35921" dir="2700000" algn="ctr" rotWithShape="0">
                       <a:schemeClr val="bg2"/>
@@ -16491,7 +17170,7 @@
           <p:nvPr/>
         </p:nvPicPr>
         <p:blipFill>
-          <a:blip r:embed="rId3"/>
+          <a:blip r:embed="rId3" cstate="print"/>
           <a:stretch>
             <a:fillRect/>
           </a:stretch>
@@ -17288,7 +17967,7 @@
           <a:effectLst/>
           <a:extLst>
             <a:ext uri="{AF507438-7753-43E0-B8FC-AC1667EBCBE1}">
-              <a14:hiddenEffects xmlns:a14="http://schemas.microsoft.com/office/drawing/2010/main">
+              <a14:hiddenEffects xmlns:a14="http://schemas.microsoft.com/office/drawing/2010/main" xmlns="">
                 <a:effectLst>
                   <a:outerShdw dist="35921" dir="2700000" algn="ctr" rotWithShape="0">
                     <a:schemeClr val="bg2"/>
@@ -17377,7 +18056,7 @@
           <a:effectLst/>
           <a:extLst>
             <a:ext uri="{AF507438-7753-43E0-B8FC-AC1667EBCBE1}">
-              <a14:hiddenEffects xmlns:a14="http://schemas.microsoft.com/office/drawing/2010/main">
+              <a14:hiddenEffects xmlns:a14="http://schemas.microsoft.com/office/drawing/2010/main" xmlns="">
                 <a:effectLst>
                   <a:outerShdw dist="35921" dir="2700000" algn="ctr" rotWithShape="0">
                     <a:schemeClr val="bg2"/>
@@ -17530,7 +18209,7 @@
           <a:effectLst/>
           <a:extLst>
             <a:ext uri="{AF507438-7753-43E0-B8FC-AC1667EBCBE1}">
-              <a14:hiddenEffects xmlns:a14="http://schemas.microsoft.com/office/drawing/2010/main">
+              <a14:hiddenEffects xmlns:a14="http://schemas.microsoft.com/office/drawing/2010/main" xmlns="">
                 <a:effectLst>
                   <a:outerShdw dist="35921" dir="2700000" algn="ctr" rotWithShape="0">
                     <a:schemeClr val="bg2"/>
@@ -17647,7 +18326,104 @@
               </a:rPr>
               <a:t>이동버튼 빠져 있음</a:t>
             </a:r>
-            <a:endParaRPr kumimoji="0" lang="ko-KR" altLang="en-US" sz="1050" b="0" i="0" u="none" strike="noStrike" cap="none" normalizeH="0" baseline="0" dirty="0" smtClean="0">
+          </a:p>
+        </p:txBody>
+      </p:sp>
+      <p:sp>
+        <p:nvSpPr>
+          <p:cNvPr id="30" name="직사각형 29"/>
+          <p:cNvSpPr/>
+          <p:nvPr/>
+        </p:nvSpPr>
+        <p:spPr bwMode="auto">
+          <a:xfrm>
+            <a:off x="5580112" y="692696"/>
+            <a:ext cx="4032448" cy="2088232"/>
+          </a:xfrm>
+          <a:prstGeom prst="rect">
+            <a:avLst/>
+          </a:prstGeom>
+          <a:solidFill>
+            <a:schemeClr val="accent1"/>
+          </a:solidFill>
+          <a:ln w="9525" cap="flat" cmpd="sng" algn="ctr">
+            <a:solidFill>
+              <a:schemeClr val="tx1"/>
+            </a:solidFill>
+            <a:prstDash val="solid"/>
+            <a:round/>
+            <a:headEnd type="none" w="med" len="med"/>
+            <a:tailEnd type="none" w="med" len="med"/>
+          </a:ln>
+          <a:effectLst/>
+          <a:extLst>
+            <a:ext uri="{AF507438-7753-43E0-B8FC-AC1667EBCBE1}">
+              <a14:hiddenEffects xmlns:a14="http://schemas.microsoft.com/office/drawing/2010/main" xmlns="">
+                <a:effectLst>
+                  <a:outerShdw dist="35921" dir="2700000" algn="ctr" rotWithShape="0">
+                    <a:schemeClr val="bg2"/>
+                  </a:outerShdw>
+                </a:effectLst>
+              </a14:hiddenEffects>
+            </a:ext>
+          </a:extLst>
+        </p:spPr>
+        <p:txBody>
+          <a:bodyPr vert="horz" wrap="none" lIns="91440" tIns="45720" rIns="91440" bIns="45720" numCol="1" rtlCol="0" anchor="ctr" anchorCtr="0" compatLnSpc="1">
+            <a:prstTxWarp prst="textNoShape">
+              <a:avLst/>
+            </a:prstTxWarp>
+          </a:bodyPr>
+          <a:lstStyle/>
+          <a:p>
+            <a:pPr marL="742950" marR="0" indent="-742950" algn="ctr" defTabSz="914400" rtl="0" eaLnBrk="0" fontAlgn="base" latinLnBrk="0" hangingPunct="0">
+              <a:lnSpc>
+                <a:spcPct val="100000"/>
+              </a:lnSpc>
+              <a:spcBef>
+                <a:spcPct val="0"/>
+              </a:spcBef>
+              <a:spcAft>
+                <a:spcPct val="0"/>
+              </a:spcAft>
+              <a:buClrTx/>
+              <a:buSzTx/>
+              <a:buFontTx/>
+              <a:buAutoNum type="arabicPeriod"/>
+              <a:tabLst/>
+            </a:pPr>
+            <a:r>
+              <a:rPr lang="ko-KR" altLang="en-US" sz="3600" dirty="0" smtClean="0"/>
+              <a:t>완료 </a:t>
+            </a:r>
+            <a:endParaRPr lang="en-US" altLang="ko-KR" sz="3600" dirty="0" smtClean="0"/>
+          </a:p>
+          <a:p>
+            <a:pPr marL="742950" marR="0" indent="-742950" algn="ctr" defTabSz="914400" rtl="0" eaLnBrk="0" fontAlgn="base" latinLnBrk="0" hangingPunct="0">
+              <a:lnSpc>
+                <a:spcPct val="100000"/>
+              </a:lnSpc>
+              <a:spcBef>
+                <a:spcPct val="0"/>
+              </a:spcBef>
+              <a:spcAft>
+                <a:spcPct val="0"/>
+              </a:spcAft>
+              <a:buClrTx/>
+              <a:buSzTx/>
+              <a:buFontTx/>
+              <a:buAutoNum type="arabicPeriod"/>
+              <a:tabLst/>
+            </a:pPr>
+            <a:r>
+              <a:rPr lang="ko-KR" altLang="en-US" sz="3600" dirty="0" err="1" smtClean="0"/>
+              <a:t>간격재문</a:t>
+            </a:r>
+            <a:r>
+              <a:rPr lang="ko-KR" altLang="en-US" sz="3600" dirty="0" err="1" smtClean="0"/>
+              <a:t>의</a:t>
+            </a:r>
+            <a:endParaRPr kumimoji="0" lang="ko-KR" altLang="en-US" sz="3600" b="0" i="0" u="none" strike="noStrike" cap="none" normalizeH="0" baseline="0" dirty="0" smtClean="0">
               <a:ln>
                 <a:noFill/>
               </a:ln>
@@ -17663,7 +18439,7 @@
     </p:spTree>
     <p:extLst>
       <p:ext uri="{BB962C8B-B14F-4D97-AF65-F5344CB8AC3E}">
-        <p14:creationId xmlns:p14="http://schemas.microsoft.com/office/powerpoint/2010/main" val="1134794278"/>
+        <p14:creationId xmlns:p14="http://schemas.microsoft.com/office/powerpoint/2010/main" xmlns="" val="1134794278"/>
       </p:ext>
     </p:extLst>
   </p:cSld>
@@ -17940,7 +18716,7 @@
         <a:effectLst/>
         <a:extLst>
           <a:ext uri="{AF507438-7753-43E0-B8FC-AC1667EBCBE1}">
-            <a14:hiddenEffects xmlns:a14="http://schemas.microsoft.com/office/drawing/2010/main">
+            <a14:hiddenEffects xmlns:a14="http://schemas.microsoft.com/office/drawing/2010/main" xmlns="">
               <a:effectLst>
                 <a:outerShdw dist="35921" dir="2700000" algn="ctr" rotWithShape="0">
                   <a:schemeClr val="bg2"/>
@@ -18013,7 +18789,7 @@
         <a:effectLst/>
         <a:extLst>
           <a:ext uri="{AF507438-7753-43E0-B8FC-AC1667EBCBE1}">
-            <a14:hiddenEffects xmlns:a14="http://schemas.microsoft.com/office/drawing/2010/main">
+            <a14:hiddenEffects xmlns:a14="http://schemas.microsoft.com/office/drawing/2010/main" xmlns="">
               <a:effectLst>
                 <a:outerShdw dist="35921" dir="2700000" algn="ctr" rotWithShape="0">
                   <a:schemeClr val="bg2"/>
